--- a/src/figures/memory.pptx
+++ b/src/figures/memory.pptx
@@ -197,7 +197,7 @@
           <a:p>
             <a:fld id="{C1C90ABE-C08A-444A-9B97-50985CA7357E}" type="datetimeFigureOut">
               <a:rPr kumimoji="1" lang="ja-JP" altLang="en-US" smtClean="0"/>
-              <a:t>2024/7/12</a:t>
+              <a:t>2024/7/26</a:t>
             </a:fld>
             <a:endParaRPr kumimoji="1" lang="ja-JP" altLang="en-US"/>
           </a:p>
@@ -5044,7 +5044,7 @@
         </p:nvSpPr>
         <p:spPr>
           <a:xfrm>
-            <a:off x="2972683" y="56195"/>
+            <a:off x="2952361" y="56195"/>
             <a:ext cx="580730" cy="150811"/>
           </a:xfrm>
           <a:prstGeom prst="rect">
@@ -5074,7 +5074,7 @@
             </a:pPr>
             <a:r>
               <a:rPr lang="en-US" altLang="ja-JP" sz="900" dirty="0"/>
-              <a:t>Layer0</a:t>
+              <a:t>Layer 0</a:t>
             </a:r>
             <a:endParaRPr lang="ja-JP" altLang="en-US" sz="900" dirty="0"/>
           </a:p>
@@ -5094,7 +5094,7 @@
         </p:nvSpPr>
         <p:spPr>
           <a:xfrm>
-            <a:off x="2985477" y="648313"/>
+            <a:off x="2971929" y="648313"/>
             <a:ext cx="580730" cy="150811"/>
           </a:xfrm>
           <a:prstGeom prst="rect">
@@ -5124,7 +5124,7 @@
             </a:pPr>
             <a:r>
               <a:rPr lang="en-US" altLang="ja-JP" sz="900" dirty="0"/>
-              <a:t>Layer1</a:t>
+              <a:t>Layer 1</a:t>
             </a:r>
             <a:endParaRPr lang="ja-JP" altLang="en-US" sz="900" dirty="0"/>
           </a:p>
@@ -5144,7 +5144,7 @@
         </p:nvSpPr>
         <p:spPr>
           <a:xfrm>
-            <a:off x="2987388" y="1149325"/>
+            <a:off x="2973840" y="1149325"/>
             <a:ext cx="580730" cy="150811"/>
           </a:xfrm>
           <a:prstGeom prst="rect">
@@ -5174,7 +5174,7 @@
             </a:pPr>
             <a:r>
               <a:rPr lang="en-US" altLang="ja-JP" sz="900" dirty="0"/>
-              <a:t>Layer2</a:t>
+              <a:t>Layer 2</a:t>
             </a:r>
             <a:endParaRPr lang="ja-JP" altLang="en-US" sz="900" dirty="0"/>
           </a:p>
@@ -5567,2651 +5567,1075 @@
           </a:p>
         </p:txBody>
       </p:sp>
-      <mc:AlternateContent xmlns:mc="http://schemas.openxmlformats.org/markup-compatibility/2006">
-        <mc:Choice xmlns:a14="http://schemas.microsoft.com/office/drawing/2010/main" Requires="a14">
-          <p:graphicFrame>
-            <p:nvGraphicFramePr>
-              <p:cNvPr id="154" name="表 49">
+      <p:graphicFrame>
+        <p:nvGraphicFramePr>
+          <p:cNvPr id="154" name="表 49">
+            <a:extLst>
+              <a:ext uri="{FF2B5EF4-FFF2-40B4-BE49-F238E27FC236}">
+                <a16:creationId xmlns:a16="http://schemas.microsoft.com/office/drawing/2014/main" id="{68C86372-BD59-B291-EC61-7DE9DA1EBBF8}"/>
+              </a:ext>
+            </a:extLst>
+          </p:cNvPr>
+          <p:cNvGraphicFramePr>
+            <a:graphicFrameLocks noGrp="1"/>
+          </p:cNvGraphicFramePr>
+          <p:nvPr>
+            <p:extLst>
+              <p:ext uri="{D42A27DB-BD31-4B8C-83A1-F6EECF244321}">
+                <p14:modId xmlns:p14="http://schemas.microsoft.com/office/powerpoint/2010/main" val="3907061003"/>
+              </p:ext>
+            </p:extLst>
+          </p:nvPr>
+        </p:nvGraphicFramePr>
+        <p:xfrm>
+          <a:off x="183351" y="394482"/>
+          <a:ext cx="633053" cy="914090"/>
+        </p:xfrm>
+        <a:graphic>
+          <a:graphicData uri="http://schemas.openxmlformats.org/drawingml/2006/table">
+            <a:tbl>
+              <a:tblPr firstRow="1" bandRow="1">
+                <a:tableStyleId>{2D5ABB26-0587-4C30-8999-92F81FD0307C}</a:tableStyleId>
+              </a:tblPr>
+              <a:tblGrid>
+                <a:gridCol w="633053">
+                  <a:extLst>
+                    <a:ext uri="{9D8B030D-6E8A-4147-A177-3AD203B41FA5}">
+                      <a16:colId xmlns:a16="http://schemas.microsoft.com/office/drawing/2014/main" val="1391329631"/>
+                    </a:ext>
+                  </a:extLst>
+                </a:gridCol>
+              </a:tblGrid>
+              <a:tr h="150873">
+                <a:tc>
+                  <a:txBody>
+                    <a:bodyPr/>
+                    <a:lstStyle/>
+                    <a:p>
+                      <a:pPr algn="ctr"/>
+                      <a:r>
+                        <a:rPr kumimoji="1" lang="en-US" altLang="ja-JP" sz="900" dirty="0">
+                          <a:latin typeface="Cambria Math" panose="02040503050406030204" pitchFamily="18" charset="0"/>
+                        </a:rPr>
+                        <a:t>Header</a:t>
+                      </a:r>
+                      <a:endParaRPr kumimoji="1" lang="ja-JP" altLang="en-US" sz="900" dirty="0">
+                        <a:latin typeface="Cambria Math" panose="02040503050406030204" pitchFamily="18" charset="0"/>
+                      </a:endParaRPr>
+                    </a:p>
+                  </a:txBody>
+                  <a:tcPr marL="18226" marR="18226" marT="9113" marB="9113" anchor="ctr">
+                    <a:lnL w="12700" cap="flat" cmpd="sng" algn="ctr">
+                      <a:solidFill>
+                        <a:schemeClr val="tx1"/>
+                      </a:solidFill>
+                      <a:prstDash val="solid"/>
+                      <a:round/>
+                      <a:headEnd type="none" w="med" len="med"/>
+                      <a:tailEnd type="none" w="med" len="med"/>
+                    </a:lnL>
+                    <a:lnR w="12700" cap="flat" cmpd="sng" algn="ctr">
+                      <a:solidFill>
+                        <a:schemeClr val="tx1"/>
+                      </a:solidFill>
+                      <a:prstDash val="solid"/>
+                      <a:round/>
+                      <a:headEnd type="none" w="med" len="med"/>
+                      <a:tailEnd type="none" w="med" len="med"/>
+                    </a:lnR>
+                    <a:lnT w="12700" cap="flat" cmpd="sng" algn="ctr">
+                      <a:solidFill>
+                        <a:schemeClr val="tx1"/>
+                      </a:solidFill>
+                      <a:prstDash val="solid"/>
+                      <a:round/>
+                      <a:headEnd type="none" w="med" len="med"/>
+                      <a:tailEnd type="none" w="med" len="med"/>
+                    </a:lnT>
+                    <a:lnB w="9525" cap="flat" cmpd="sng" algn="ctr">
+                      <a:solidFill>
+                        <a:schemeClr val="tx1"/>
+                      </a:solidFill>
+                      <a:prstDash val="solid"/>
+                      <a:round/>
+                      <a:headEnd type="none" w="med" len="med"/>
+                      <a:tailEnd type="none" w="med" len="med"/>
+                    </a:lnB>
+                    <a:solidFill>
+                      <a:schemeClr val="bg1"/>
+                    </a:solidFill>
+                  </a:tcPr>
+                </a:tc>
                 <a:extLst>
-                  <a:ext uri="{FF2B5EF4-FFF2-40B4-BE49-F238E27FC236}">
-                    <a16:creationId xmlns:a16="http://schemas.microsoft.com/office/drawing/2014/main" id="{68C86372-BD59-B291-EC61-7DE9DA1EBBF8}"/>
+                  <a:ext uri="{0D108BD9-81ED-4DB2-BD59-A6C34878D82A}">
+                    <a16:rowId xmlns:a16="http://schemas.microsoft.com/office/drawing/2014/main" val="3783925622"/>
                   </a:ext>
                 </a:extLst>
-              </p:cNvPr>
-              <p:cNvGraphicFramePr>
-                <a:graphicFrameLocks noGrp="1"/>
-              </p:cNvGraphicFramePr>
-              <p:nvPr>
-                <p:extLst>
-                  <p:ext uri="{D42A27DB-BD31-4B8C-83A1-F6EECF244321}">
-                    <p14:modId xmlns:p14="http://schemas.microsoft.com/office/powerpoint/2010/main" val="1253784596"/>
-                  </p:ext>
-                </p:extLst>
-              </p:nvPr>
-            </p:nvGraphicFramePr>
-            <p:xfrm>
-              <a:off x="183351" y="238693"/>
-              <a:ext cx="633053" cy="1069476"/>
-            </p:xfrm>
-            <a:graphic>
-              <a:graphicData uri="http://schemas.openxmlformats.org/drawingml/2006/table">
-                <a:tbl>
-                  <a:tblPr firstRow="1" bandRow="1">
-                    <a:tableStyleId>{2D5ABB26-0587-4C30-8999-92F81FD0307C}</a:tableStyleId>
-                  </a:tblPr>
-                  <a:tblGrid>
-                    <a:gridCol w="633053">
-                      <a:extLst>
-                        <a:ext uri="{9D8B030D-6E8A-4147-A177-3AD203B41FA5}">
-                          <a16:colId xmlns:a16="http://schemas.microsoft.com/office/drawing/2014/main" val="1391329631"/>
-                        </a:ext>
-                      </a:extLst>
-                    </a:gridCol>
-                  </a:tblGrid>
-                  <a:tr h="150873">
-                    <a:tc>
-                      <a:txBody>
-                        <a:bodyPr/>
-                        <a:lstStyle/>
-                        <a:p>
-                          <a:pPr algn="ctr"/>
-                          <a:r>
-                            <a:rPr kumimoji="1" lang="en-US" altLang="ja-JP" sz="900" dirty="0">
-                              <a:latin typeface="Cambria Math" panose="02040503050406030204" pitchFamily="18" charset="0"/>
-                            </a:rPr>
-                            <a:t>Header</a:t>
-                          </a:r>
-                          <a:endParaRPr kumimoji="1" lang="ja-JP" altLang="en-US" sz="900" dirty="0">
-                            <a:latin typeface="Cambria Math" panose="02040503050406030204" pitchFamily="18" charset="0"/>
-                          </a:endParaRPr>
-                        </a:p>
-                      </a:txBody>
-                      <a:tcPr marL="18226" marR="18226" marT="9113" marB="9113" anchor="ctr">
-                        <a:lnL w="12700" cap="flat" cmpd="sng" algn="ctr">
-                          <a:solidFill>
-                            <a:schemeClr val="tx1"/>
-                          </a:solidFill>
-                          <a:prstDash val="solid"/>
-                          <a:round/>
-                          <a:headEnd type="none" w="med" len="med"/>
-                          <a:tailEnd type="none" w="med" len="med"/>
-                        </a:lnL>
-                        <a:lnR w="12700" cap="flat" cmpd="sng" algn="ctr">
-                          <a:solidFill>
-                            <a:schemeClr val="tx1"/>
-                          </a:solidFill>
-                          <a:prstDash val="solid"/>
-                          <a:round/>
-                          <a:headEnd type="none" w="med" len="med"/>
-                          <a:tailEnd type="none" w="med" len="med"/>
-                        </a:lnR>
-                        <a:lnT w="12700" cap="flat" cmpd="sng" algn="ctr">
-                          <a:solidFill>
-                            <a:schemeClr val="tx1"/>
-                          </a:solidFill>
-                          <a:prstDash val="solid"/>
-                          <a:round/>
-                          <a:headEnd type="none" w="med" len="med"/>
-                          <a:tailEnd type="none" w="med" len="med"/>
-                        </a:lnT>
-                        <a:lnB w="9525" cap="flat" cmpd="sng" algn="ctr">
-                          <a:solidFill>
-                            <a:schemeClr val="tx1"/>
-                          </a:solidFill>
-                          <a:prstDash val="solid"/>
-                          <a:round/>
-                          <a:headEnd type="none" w="med" len="med"/>
-                          <a:tailEnd type="none" w="med" len="med"/>
-                        </a:lnB>
-                        <a:solidFill>
-                          <a:schemeClr val="bg1"/>
-                        </a:solidFill>
-                      </a:tcPr>
-                    </a:tc>
-                    <a:extLst>
-                      <a:ext uri="{0D108BD9-81ED-4DB2-BD59-A6C34878D82A}">
-                        <a16:rowId xmlns:a16="http://schemas.microsoft.com/office/drawing/2014/main" val="3783925622"/>
-                      </a:ext>
-                    </a:extLst>
-                  </a:tr>
-                  <a:tr h="150873">
-                    <a:tc>
-                      <a:txBody>
-                        <a:bodyPr/>
-                        <a:lstStyle/>
-                        <a:p>
-                          <a:pPr algn="ctr"/>
-                          <a:r>
-                            <a:rPr kumimoji="1" lang="en-US" altLang="ja-JP" sz="900" dirty="0">
-                              <a:latin typeface="Cambria Math" panose="02040503050406030204" pitchFamily="18" charset="0"/>
-                              <a:ea typeface="Cambria Math" panose="02040503050406030204" pitchFamily="18" charset="0"/>
-                            </a:rPr>
-                            <a:t>Key1:</a:t>
-                          </a:r>
-                        </a:p>
-                        <a:p>
-                          <a:pPr algn="ctr"/>
-                          <a:r>
-                            <a:rPr kumimoji="1" lang="en-US" altLang="ja-JP" sz="900" dirty="0">
-                              <a:latin typeface="Cambria Math" panose="02040503050406030204" pitchFamily="18" charset="0"/>
-                              <a:ea typeface="Cambria Math" panose="02040503050406030204" pitchFamily="18" charset="0"/>
-                            </a:rPr>
-                            <a:t>“www.jpn.”</a:t>
-                          </a:r>
-                          <a:endParaRPr kumimoji="1" lang="ja-JP" altLang="en-US" sz="900" dirty="0">
-                            <a:latin typeface="Cambria Math" panose="02040503050406030204" pitchFamily="18" charset="0"/>
-                          </a:endParaRPr>
-                        </a:p>
-                      </a:txBody>
-                      <a:tcPr marL="18226" marR="18226" marT="9113" marB="9113" anchor="ctr">
-                        <a:lnL w="12700" cap="flat" cmpd="sng" algn="ctr">
-                          <a:solidFill>
-                            <a:schemeClr val="tx1"/>
-                          </a:solidFill>
-                          <a:prstDash val="solid"/>
-                          <a:round/>
-                          <a:headEnd type="none" w="med" len="med"/>
-                          <a:tailEnd type="none" w="med" len="med"/>
-                        </a:lnL>
-                        <a:lnR w="12700" cap="flat" cmpd="sng" algn="ctr">
-                          <a:solidFill>
-                            <a:schemeClr val="tx1"/>
-                          </a:solidFill>
-                          <a:prstDash val="solid"/>
-                          <a:round/>
-                          <a:headEnd type="none" w="med" len="med"/>
-                          <a:tailEnd type="none" w="med" len="med"/>
-                        </a:lnR>
-                        <a:lnT w="9525" cap="flat" cmpd="sng" algn="ctr">
-                          <a:solidFill>
-                            <a:schemeClr val="tx1"/>
-                          </a:solidFill>
-                          <a:prstDash val="solid"/>
-                          <a:round/>
-                          <a:headEnd type="none" w="med" len="med"/>
-                          <a:tailEnd type="none" w="med" len="med"/>
-                        </a:lnT>
-                        <a:solidFill>
-                          <a:schemeClr val="bg1"/>
-                        </a:solidFill>
-                      </a:tcPr>
-                    </a:tc>
-                    <a:extLst>
-                      <a:ext uri="{0D108BD9-81ED-4DB2-BD59-A6C34878D82A}">
-                        <a16:rowId xmlns:a16="http://schemas.microsoft.com/office/drawing/2014/main" val="2244812955"/>
-                      </a:ext>
-                    </a:extLst>
-                  </a:tr>
-                  <a:tr h="150873">
-                    <a:tc>
-                      <a:txBody>
-                        <a:bodyPr/>
-                        <a:lstStyle/>
-                        <a:p>
-                          <a:pPr algn="ctr"/>
-                          <a:r>
-                            <a:rPr kumimoji="1" lang="en-US" altLang="ja-JP" sz="900" dirty="0">
-                              <a:latin typeface="Cambria Math" panose="02040503050406030204" pitchFamily="18" charset="0"/>
-                              <a:ea typeface="Cambria Math" panose="02040503050406030204" pitchFamily="18" charset="0"/>
-                            </a:rPr>
-                            <a:t>...</a:t>
-                          </a:r>
-                          <a:endParaRPr kumimoji="1" lang="ja-JP" altLang="en-US" sz="900" dirty="0">
-                            <a:latin typeface="Cambria Math" panose="02040503050406030204" pitchFamily="18" charset="0"/>
-                          </a:endParaRPr>
-                        </a:p>
-                      </a:txBody>
-                      <a:tcPr marL="18226" marR="18226" marT="9113" marB="9113" anchor="ctr">
-                        <a:lnL w="12700" cap="flat" cmpd="sng" algn="ctr">
-                          <a:solidFill>
-                            <a:schemeClr val="tx1"/>
-                          </a:solidFill>
-                          <a:prstDash val="solid"/>
-                          <a:round/>
-                          <a:headEnd type="none" w="med" len="med"/>
-                          <a:tailEnd type="none" w="med" len="med"/>
-                        </a:lnL>
-                        <a:lnR w="12700" cap="flat" cmpd="sng" algn="ctr">
-                          <a:solidFill>
-                            <a:schemeClr val="tx1"/>
-                          </a:solidFill>
-                          <a:prstDash val="solid"/>
-                          <a:round/>
-                          <a:headEnd type="none" w="med" len="med"/>
-                          <a:tailEnd type="none" w="med" len="med"/>
-                        </a:lnR>
-                        <a:lnB w="9525" cap="flat" cmpd="sng" algn="ctr">
-                          <a:solidFill>
-                            <a:schemeClr val="tx1"/>
-                          </a:solidFill>
-                          <a:prstDash val="sysDot"/>
-                          <a:round/>
-                          <a:headEnd type="none" w="med" len="med"/>
-                          <a:tailEnd type="none" w="med" len="med"/>
-                        </a:lnB>
-                        <a:solidFill>
-                          <a:schemeClr val="bg1"/>
-                        </a:solidFill>
-                      </a:tcPr>
-                    </a:tc>
-                    <a:extLst>
-                      <a:ext uri="{0D108BD9-81ED-4DB2-BD59-A6C34878D82A}">
-                        <a16:rowId xmlns:a16="http://schemas.microsoft.com/office/drawing/2014/main" val="1930659369"/>
-                      </a:ext>
-                    </a:extLst>
-                  </a:tr>
-                  <a:tr h="150873">
-                    <a:tc>
-                      <a:txBody>
-                        <a:bodyPr/>
-                        <a:lstStyle/>
-                        <a:p>
-                          <a:pPr algn="ctr"/>
-                          <a:r>
-                            <a:rPr kumimoji="1" lang="en-US" altLang="ja-JP" sz="900" dirty="0">
-                              <a:latin typeface="Cambria Math" panose="02040503050406030204" pitchFamily="18" charset="0"/>
-                            </a:rPr>
-                            <a:t>...</a:t>
-                          </a:r>
-                          <a:endParaRPr kumimoji="1" lang="ja-JP" altLang="en-US" sz="900" dirty="0">
-                            <a:latin typeface="Cambria Math" panose="02040503050406030204" pitchFamily="18" charset="0"/>
-                          </a:endParaRPr>
-                        </a:p>
-                      </a:txBody>
-                      <a:tcPr marL="18226" marR="18226" marT="9113" marB="9113" anchor="ctr">
-                        <a:lnL w="12700" cap="flat" cmpd="sng" algn="ctr">
-                          <a:solidFill>
-                            <a:schemeClr val="tx1"/>
-                          </a:solidFill>
-                          <a:prstDash val="solid"/>
-                          <a:round/>
-                          <a:headEnd type="none" w="med" len="med"/>
-                          <a:tailEnd type="none" w="med" len="med"/>
-                        </a:lnL>
-                        <a:lnR w="12700" cap="flat" cmpd="sng" algn="ctr">
-                          <a:solidFill>
-                            <a:schemeClr val="tx1"/>
-                          </a:solidFill>
-                          <a:prstDash val="solid"/>
-                          <a:round/>
-                          <a:headEnd type="none" w="med" len="med"/>
-                          <a:tailEnd type="none" w="med" len="med"/>
-                        </a:lnR>
-                        <a:lnT w="9525" cap="flat" cmpd="sng" algn="ctr">
-                          <a:solidFill>
-                            <a:schemeClr val="tx1"/>
-                          </a:solidFill>
-                          <a:prstDash val="sysDot"/>
-                          <a:round/>
-                          <a:headEnd type="none" w="med" len="med"/>
-                          <a:tailEnd type="none" w="med" len="med"/>
-                        </a:lnT>
-                        <a:lnB w="12700" cap="flat" cmpd="sng" algn="ctr">
-                          <a:noFill/>
-                          <a:prstDash val="solid"/>
-                          <a:round/>
-                          <a:headEnd type="none" w="med" len="med"/>
-                          <a:tailEnd type="none" w="med" len="med"/>
-                        </a:lnB>
-                        <a:solidFill>
-                          <a:schemeClr val="bg1"/>
-                        </a:solidFill>
-                      </a:tcPr>
-                    </a:tc>
-                    <a:extLst>
-                      <a:ext uri="{0D108BD9-81ED-4DB2-BD59-A6C34878D82A}">
-                        <a16:rowId xmlns:a16="http://schemas.microsoft.com/office/drawing/2014/main" val="4212267831"/>
-                      </a:ext>
-                    </a:extLst>
-                  </a:tr>
-                  <a:tr h="150873">
-                    <a:tc>
-                      <a:txBody>
-                        <a:bodyPr/>
-                        <a:lstStyle/>
-                        <a:p>
-                          <a:pPr algn="ctr"/>
-                          <a:r>
-                            <a:rPr kumimoji="1" lang="en-US" altLang="ja-JP" sz="900" dirty="0">
-                              <a:latin typeface="Cambria Math" panose="02040503050406030204" pitchFamily="18" charset="0"/>
-                            </a:rPr>
-                            <a:t>Link1</a:t>
-                          </a:r>
-                          <a:endParaRPr kumimoji="1" lang="ja-JP" altLang="en-US" sz="900" dirty="0">
-                            <a:latin typeface="Cambria Math" panose="02040503050406030204" pitchFamily="18" charset="0"/>
-                          </a:endParaRPr>
-                        </a:p>
-                      </a:txBody>
-                      <a:tcPr marL="18226" marR="18226" marT="9113" marB="9113" anchor="ctr">
-                        <a:lnL w="12700" cap="flat" cmpd="sng" algn="ctr">
-                          <a:solidFill>
-                            <a:schemeClr val="tx1"/>
-                          </a:solidFill>
-                          <a:prstDash val="solid"/>
-                          <a:round/>
-                          <a:headEnd type="none" w="med" len="med"/>
-                          <a:tailEnd type="none" w="med" len="med"/>
-                        </a:lnL>
-                        <a:lnR w="12700" cap="flat" cmpd="sng" algn="ctr">
-                          <a:solidFill>
-                            <a:schemeClr val="tx1"/>
-                          </a:solidFill>
-                          <a:prstDash val="solid"/>
-                          <a:round/>
-                          <a:headEnd type="none" w="med" len="med"/>
-                          <a:tailEnd type="none" w="med" len="med"/>
-                        </a:lnR>
-                        <a:lnT w="12700" cap="flat" cmpd="sng" algn="ctr">
-                          <a:noFill/>
-                          <a:prstDash val="solid"/>
-                          <a:round/>
-                          <a:headEnd type="none" w="med" len="med"/>
-                          <a:tailEnd type="none" w="med" len="med"/>
-                        </a:lnT>
-                        <a:lnB w="9525" cap="flat" cmpd="sng" algn="ctr">
-                          <a:solidFill>
-                            <a:schemeClr val="tx1"/>
-                          </a:solidFill>
-                          <a:prstDash val="solid"/>
-                          <a:round/>
-                          <a:headEnd type="none" w="med" len="med"/>
-                          <a:tailEnd type="none" w="med" len="med"/>
-                        </a:lnB>
-                        <a:solidFill>
-                          <a:schemeClr val="bg1"/>
-                        </a:solidFill>
-                      </a:tcPr>
-                    </a:tc>
-                    <a:extLst>
-                      <a:ext uri="{0D108BD9-81ED-4DB2-BD59-A6C34878D82A}">
-                        <a16:rowId xmlns:a16="http://schemas.microsoft.com/office/drawing/2014/main" val="77431627"/>
-                      </a:ext>
-                    </a:extLst>
-                  </a:tr>
-                  <a:tr h="150873">
-                    <a:tc>
-                      <a:txBody>
-                        <a:bodyPr/>
-                        <a:lstStyle/>
-                        <a:p>
-                          <a:pPr marL="0" marR="0" lvl="0" indent="0" algn="ctr" defTabSz="191934" rtl="0" eaLnBrk="1" fontAlgn="auto" latinLnBrk="0" hangingPunct="1">
-                            <a:lnSpc>
-                              <a:spcPct val="100000"/>
-                            </a:lnSpc>
-                            <a:spcBef>
-                              <a:spcPts val="0"/>
-                            </a:spcBef>
-                            <a:spcAft>
-                              <a:spcPts val="0"/>
-                            </a:spcAft>
-                            <a:buClrTx/>
-                            <a:buSzTx/>
-                            <a:buFontTx/>
-                            <a:buNone/>
-                            <a:tabLst/>
-                            <a:defRPr/>
-                          </a:pPr>
-                          <a14:m>
-                            <m:oMath xmlns:m="http://schemas.openxmlformats.org/officeDocument/2006/math">
-                              <m:r>
-                                <m:rPr>
-                                  <m:sty m:val="p"/>
-                                </m:rPr>
-                                <a:rPr kumimoji="1" lang="en-US" altLang="ja-JP" sz="900" b="0" i="0" smtClean="0">
-                                  <a:solidFill>
-                                    <a:schemeClr val="tx1"/>
-                                  </a:solidFill>
-                                  <a:latin typeface="Cambria Math" panose="02040503050406030204" pitchFamily="18" charset="0"/>
-                                </a:rPr>
-                                <m:t>Δ</m:t>
-                              </m:r>
-                            </m:oMath>
-                          </a14:m>
-                          <a:r>
-                            <a:rPr kumimoji="1" lang="ja-JP" altLang="en-US" sz="900" dirty="0">
-                              <a:latin typeface="Cambria Math" panose="02040503050406030204" pitchFamily="18" charset="0"/>
-                            </a:rPr>
-                            <a:t> </a:t>
-                          </a:r>
-                          <a:r>
-                            <a:rPr kumimoji="1" lang="en-US" altLang="ja-JP" sz="900" dirty="0">
-                              <a:latin typeface="Cambria Math" panose="02040503050406030204" pitchFamily="18" charset="0"/>
-                            </a:rPr>
-                            <a:t>space</a:t>
-                          </a:r>
-                          <a:endParaRPr kumimoji="1" lang="ja-JP" altLang="en-US" sz="900" dirty="0">
-                            <a:solidFill>
-                              <a:schemeClr val="accent1"/>
-                            </a:solidFill>
-                            <a:latin typeface="Cambria Math" panose="02040503050406030204" pitchFamily="18" charset="0"/>
-                          </a:endParaRPr>
-                        </a:p>
-                      </a:txBody>
-                      <a:tcPr marL="18226" marR="18226" marT="9113" marB="9113" anchor="ctr">
-                        <a:lnL w="12700" cap="flat" cmpd="sng" algn="ctr">
-                          <a:solidFill>
-                            <a:schemeClr val="tx1"/>
-                          </a:solidFill>
-                          <a:prstDash val="solid"/>
-                          <a:round/>
-                          <a:headEnd type="none" w="med" len="med"/>
-                          <a:tailEnd type="none" w="med" len="med"/>
-                        </a:lnL>
-                        <a:lnR w="12700" cap="flat" cmpd="sng" algn="ctr">
-                          <a:solidFill>
-                            <a:schemeClr val="tx1"/>
-                          </a:solidFill>
-                          <a:prstDash val="solid"/>
-                          <a:round/>
-                          <a:headEnd type="none" w="med" len="med"/>
-                          <a:tailEnd type="none" w="med" len="med"/>
-                        </a:lnR>
-                        <a:lnT w="9525" cap="flat" cmpd="sng" algn="ctr">
-                          <a:solidFill>
-                            <a:schemeClr val="tx1"/>
-                          </a:solidFill>
-                          <a:prstDash val="solid"/>
-                          <a:round/>
-                          <a:headEnd type="none" w="med" len="med"/>
-                          <a:tailEnd type="none" w="med" len="med"/>
-                        </a:lnT>
-                        <a:lnB w="12700" cap="flat" cmpd="sng" algn="ctr">
-                          <a:solidFill>
-                            <a:schemeClr val="tx1"/>
-                          </a:solidFill>
-                          <a:prstDash val="solid"/>
-                          <a:round/>
-                          <a:headEnd type="none" w="med" len="med"/>
-                          <a:tailEnd type="none" w="med" len="med"/>
-                        </a:lnB>
-                        <a:solidFill>
-                          <a:schemeClr val="bg1"/>
-                        </a:solidFill>
-                      </a:tcPr>
-                    </a:tc>
-                    <a:extLst>
-                      <a:ext uri="{0D108BD9-81ED-4DB2-BD59-A6C34878D82A}">
-                        <a16:rowId xmlns:a16="http://schemas.microsoft.com/office/drawing/2014/main" val="380398867"/>
-                      </a:ext>
-                    </a:extLst>
-                  </a:tr>
-                </a:tbl>
-              </a:graphicData>
-            </a:graphic>
-          </p:graphicFrame>
-        </mc:Choice>
-        <mc:Fallback>
-          <p:graphicFrame>
-            <p:nvGraphicFramePr>
-              <p:cNvPr id="154" name="表 49">
+              </a:tr>
+              <a:tr h="150873">
+                <a:tc>
+                  <a:txBody>
+                    <a:bodyPr/>
+                    <a:lstStyle/>
+                    <a:p>
+                      <a:pPr algn="ctr"/>
+                      <a:r>
+                        <a:rPr kumimoji="1" lang="en-US" altLang="ja-JP" sz="900" dirty="0">
+                          <a:latin typeface="Cambria Math" panose="02040503050406030204" pitchFamily="18" charset="0"/>
+                          <a:ea typeface="Cambria Math" panose="02040503050406030204" pitchFamily="18" charset="0"/>
+                        </a:rPr>
+                        <a:t>Key1:</a:t>
+                      </a:r>
+                    </a:p>
+                    <a:p>
+                      <a:pPr algn="ctr"/>
+                      <a:r>
+                        <a:rPr kumimoji="1" lang="en-US" altLang="ja-JP" sz="900" dirty="0">
+                          <a:latin typeface="Cambria Math" panose="02040503050406030204" pitchFamily="18" charset="0"/>
+                          <a:ea typeface="Cambria Math" panose="02040503050406030204" pitchFamily="18" charset="0"/>
+                        </a:rPr>
+                        <a:t>“www.jpn.”</a:t>
+                      </a:r>
+                      <a:endParaRPr kumimoji="1" lang="ja-JP" altLang="en-US" sz="900" dirty="0">
+                        <a:latin typeface="Cambria Math" panose="02040503050406030204" pitchFamily="18" charset="0"/>
+                      </a:endParaRPr>
+                    </a:p>
+                  </a:txBody>
+                  <a:tcPr marL="18226" marR="18226" marT="9113" marB="9113" anchor="ctr">
+                    <a:lnL w="12700" cap="flat" cmpd="sng" algn="ctr">
+                      <a:solidFill>
+                        <a:schemeClr val="tx1"/>
+                      </a:solidFill>
+                      <a:prstDash val="solid"/>
+                      <a:round/>
+                      <a:headEnd type="none" w="med" len="med"/>
+                      <a:tailEnd type="none" w="med" len="med"/>
+                    </a:lnL>
+                    <a:lnR w="12700" cap="flat" cmpd="sng" algn="ctr">
+                      <a:solidFill>
+                        <a:schemeClr val="tx1"/>
+                      </a:solidFill>
+                      <a:prstDash val="solid"/>
+                      <a:round/>
+                      <a:headEnd type="none" w="med" len="med"/>
+                      <a:tailEnd type="none" w="med" len="med"/>
+                    </a:lnR>
+                    <a:lnT w="9525" cap="flat" cmpd="sng" algn="ctr">
+                      <a:solidFill>
+                        <a:schemeClr val="tx1"/>
+                      </a:solidFill>
+                      <a:prstDash val="solid"/>
+                      <a:round/>
+                      <a:headEnd type="none" w="med" len="med"/>
+                      <a:tailEnd type="none" w="med" len="med"/>
+                    </a:lnT>
+                    <a:solidFill>
+                      <a:schemeClr val="bg1"/>
+                    </a:solidFill>
+                  </a:tcPr>
+                </a:tc>
                 <a:extLst>
-                  <a:ext uri="{FF2B5EF4-FFF2-40B4-BE49-F238E27FC236}">
-                    <a16:creationId xmlns:a16="http://schemas.microsoft.com/office/drawing/2014/main" id="{68C86372-BD59-B291-EC61-7DE9DA1EBBF8}"/>
+                  <a:ext uri="{0D108BD9-81ED-4DB2-BD59-A6C34878D82A}">
+                    <a16:rowId xmlns:a16="http://schemas.microsoft.com/office/drawing/2014/main" val="2244812955"/>
                   </a:ext>
                 </a:extLst>
-              </p:cNvPr>
-              <p:cNvGraphicFramePr>
-                <a:graphicFrameLocks noGrp="1"/>
-              </p:cNvGraphicFramePr>
-              <p:nvPr>
-                <p:extLst>
-                  <p:ext uri="{D42A27DB-BD31-4B8C-83A1-F6EECF244321}">
-                    <p14:modId xmlns:p14="http://schemas.microsoft.com/office/powerpoint/2010/main" val="1253784596"/>
-                  </p:ext>
-                </p:extLst>
-              </p:nvPr>
-            </p:nvGraphicFramePr>
-            <p:xfrm>
-              <a:off x="183351" y="238693"/>
-              <a:ext cx="633053" cy="1069476"/>
-            </p:xfrm>
-            <a:graphic>
-              <a:graphicData uri="http://schemas.openxmlformats.org/drawingml/2006/table">
-                <a:tbl>
-                  <a:tblPr firstRow="1" bandRow="1">
-                    <a:tableStyleId>{2D5ABB26-0587-4C30-8999-92F81FD0307C}</a:tableStyleId>
-                  </a:tblPr>
-                  <a:tblGrid>
-                    <a:gridCol w="633053">
-                      <a:extLst>
-                        <a:ext uri="{9D8B030D-6E8A-4147-A177-3AD203B41FA5}">
-                          <a16:colId xmlns:a16="http://schemas.microsoft.com/office/drawing/2014/main" val="1391329631"/>
-                        </a:ext>
-                      </a:extLst>
-                    </a:gridCol>
-                  </a:tblGrid>
-                  <a:tr h="155386">
-                    <a:tc>
-                      <a:txBody>
-                        <a:bodyPr/>
-                        <a:lstStyle/>
-                        <a:p>
-                          <a:pPr algn="ctr"/>
-                          <a:r>
-                            <a:rPr kumimoji="1" lang="en-US" altLang="ja-JP" sz="900" dirty="0">
-                              <a:latin typeface="Cambria Math" panose="02040503050406030204" pitchFamily="18" charset="0"/>
-                            </a:rPr>
-                            <a:t>Header</a:t>
-                          </a:r>
-                          <a:endParaRPr kumimoji="1" lang="ja-JP" altLang="en-US" sz="900" dirty="0">
-                            <a:latin typeface="Cambria Math" panose="02040503050406030204" pitchFamily="18" charset="0"/>
-                          </a:endParaRPr>
-                        </a:p>
-                      </a:txBody>
-                      <a:tcPr marL="18226" marR="18226" marT="9113" marB="9113" anchor="ctr">
-                        <a:lnL w="12700" cap="flat" cmpd="sng" algn="ctr">
-                          <a:solidFill>
-                            <a:schemeClr val="tx1"/>
-                          </a:solidFill>
-                          <a:prstDash val="solid"/>
-                          <a:round/>
-                          <a:headEnd type="none" w="med" len="med"/>
-                          <a:tailEnd type="none" w="med" len="med"/>
-                        </a:lnL>
-                        <a:lnR w="12700" cap="flat" cmpd="sng" algn="ctr">
-                          <a:solidFill>
-                            <a:schemeClr val="tx1"/>
-                          </a:solidFill>
-                          <a:prstDash val="solid"/>
-                          <a:round/>
-                          <a:headEnd type="none" w="med" len="med"/>
-                          <a:tailEnd type="none" w="med" len="med"/>
-                        </a:lnR>
-                        <a:lnT w="12700" cap="flat" cmpd="sng" algn="ctr">
-                          <a:solidFill>
-                            <a:schemeClr val="tx1"/>
-                          </a:solidFill>
-                          <a:prstDash val="solid"/>
-                          <a:round/>
-                          <a:headEnd type="none" w="med" len="med"/>
-                          <a:tailEnd type="none" w="med" len="med"/>
-                        </a:lnT>
-                        <a:lnB w="9525" cap="flat" cmpd="sng" algn="ctr">
-                          <a:solidFill>
-                            <a:schemeClr val="tx1"/>
-                          </a:solidFill>
-                          <a:prstDash val="solid"/>
-                          <a:round/>
-                          <a:headEnd type="none" w="med" len="med"/>
-                          <a:tailEnd type="none" w="med" len="med"/>
-                        </a:lnB>
-                        <a:solidFill>
-                          <a:schemeClr val="bg1"/>
-                        </a:solidFill>
-                      </a:tcPr>
-                    </a:tc>
-                    <a:extLst>
-                      <a:ext uri="{0D108BD9-81ED-4DB2-BD59-A6C34878D82A}">
-                        <a16:rowId xmlns:a16="http://schemas.microsoft.com/office/drawing/2014/main" val="3783925622"/>
-                      </a:ext>
-                    </a:extLst>
-                  </a:tr>
-                  <a:tr h="292546">
-                    <a:tc>
-                      <a:txBody>
-                        <a:bodyPr/>
-                        <a:lstStyle/>
-                        <a:p>
-                          <a:pPr algn="ctr"/>
-                          <a:r>
-                            <a:rPr kumimoji="1" lang="en-US" altLang="ja-JP" sz="900" dirty="0">
-                              <a:latin typeface="Cambria Math" panose="02040503050406030204" pitchFamily="18" charset="0"/>
-                              <a:ea typeface="Cambria Math" panose="02040503050406030204" pitchFamily="18" charset="0"/>
-                            </a:rPr>
-                            <a:t>Key1:</a:t>
-                          </a:r>
-                        </a:p>
-                        <a:p>
-                          <a:pPr algn="ctr"/>
-                          <a:r>
-                            <a:rPr kumimoji="1" lang="en-US" altLang="ja-JP" sz="900" dirty="0">
-                              <a:latin typeface="Cambria Math" panose="02040503050406030204" pitchFamily="18" charset="0"/>
-                              <a:ea typeface="Cambria Math" panose="02040503050406030204" pitchFamily="18" charset="0"/>
-                            </a:rPr>
-                            <a:t>“www.jpn.”</a:t>
-                          </a:r>
-                          <a:endParaRPr kumimoji="1" lang="ja-JP" altLang="en-US" sz="900" dirty="0">
-                            <a:latin typeface="Cambria Math" panose="02040503050406030204" pitchFamily="18" charset="0"/>
-                          </a:endParaRPr>
-                        </a:p>
-                      </a:txBody>
-                      <a:tcPr marL="18226" marR="18226" marT="9113" marB="9113" anchor="ctr">
-                        <a:lnL w="12700" cap="flat" cmpd="sng" algn="ctr">
-                          <a:solidFill>
-                            <a:schemeClr val="tx1"/>
-                          </a:solidFill>
-                          <a:prstDash val="solid"/>
-                          <a:round/>
-                          <a:headEnd type="none" w="med" len="med"/>
-                          <a:tailEnd type="none" w="med" len="med"/>
-                        </a:lnL>
-                        <a:lnR w="12700" cap="flat" cmpd="sng" algn="ctr">
-                          <a:solidFill>
-                            <a:schemeClr val="tx1"/>
-                          </a:solidFill>
-                          <a:prstDash val="solid"/>
-                          <a:round/>
-                          <a:headEnd type="none" w="med" len="med"/>
-                          <a:tailEnd type="none" w="med" len="med"/>
-                        </a:lnR>
-                        <a:lnT w="9525" cap="flat" cmpd="sng" algn="ctr">
-                          <a:solidFill>
-                            <a:schemeClr val="tx1"/>
-                          </a:solidFill>
-                          <a:prstDash val="solid"/>
-                          <a:round/>
-                          <a:headEnd type="none" w="med" len="med"/>
-                          <a:tailEnd type="none" w="med" len="med"/>
-                        </a:lnT>
-                        <a:solidFill>
-                          <a:schemeClr val="bg1"/>
-                        </a:solidFill>
-                      </a:tcPr>
-                    </a:tc>
-                    <a:extLst>
-                      <a:ext uri="{0D108BD9-81ED-4DB2-BD59-A6C34878D82A}">
-                        <a16:rowId xmlns:a16="http://schemas.microsoft.com/office/drawing/2014/main" val="2244812955"/>
-                      </a:ext>
-                    </a:extLst>
-                  </a:tr>
-                  <a:tr h="155386">
-                    <a:tc>
-                      <a:txBody>
-                        <a:bodyPr/>
-                        <a:lstStyle/>
-                        <a:p>
-                          <a:pPr algn="ctr"/>
-                          <a:r>
-                            <a:rPr kumimoji="1" lang="en-US" altLang="ja-JP" sz="900" dirty="0">
-                              <a:latin typeface="Cambria Math" panose="02040503050406030204" pitchFamily="18" charset="0"/>
-                              <a:ea typeface="Cambria Math" panose="02040503050406030204" pitchFamily="18" charset="0"/>
-                            </a:rPr>
-                            <a:t>...</a:t>
-                          </a:r>
-                          <a:endParaRPr kumimoji="1" lang="ja-JP" altLang="en-US" sz="900" dirty="0">
-                            <a:latin typeface="Cambria Math" panose="02040503050406030204" pitchFamily="18" charset="0"/>
-                          </a:endParaRPr>
-                        </a:p>
-                      </a:txBody>
-                      <a:tcPr marL="18226" marR="18226" marT="9113" marB="9113" anchor="ctr">
-                        <a:lnL w="12700" cap="flat" cmpd="sng" algn="ctr">
-                          <a:solidFill>
-                            <a:schemeClr val="tx1"/>
-                          </a:solidFill>
-                          <a:prstDash val="solid"/>
-                          <a:round/>
-                          <a:headEnd type="none" w="med" len="med"/>
-                          <a:tailEnd type="none" w="med" len="med"/>
-                        </a:lnL>
-                        <a:lnR w="12700" cap="flat" cmpd="sng" algn="ctr">
-                          <a:solidFill>
-                            <a:schemeClr val="tx1"/>
-                          </a:solidFill>
-                          <a:prstDash val="solid"/>
-                          <a:round/>
-                          <a:headEnd type="none" w="med" len="med"/>
-                          <a:tailEnd type="none" w="med" len="med"/>
-                        </a:lnR>
-                        <a:lnB w="9525" cap="flat" cmpd="sng" algn="ctr">
-                          <a:solidFill>
-                            <a:schemeClr val="tx1"/>
-                          </a:solidFill>
-                          <a:prstDash val="sysDot"/>
-                          <a:round/>
-                          <a:headEnd type="none" w="med" len="med"/>
-                          <a:tailEnd type="none" w="med" len="med"/>
-                        </a:lnB>
-                        <a:solidFill>
-                          <a:schemeClr val="bg1"/>
-                        </a:solidFill>
-                      </a:tcPr>
-                    </a:tc>
-                    <a:extLst>
-                      <a:ext uri="{0D108BD9-81ED-4DB2-BD59-A6C34878D82A}">
-                        <a16:rowId xmlns:a16="http://schemas.microsoft.com/office/drawing/2014/main" val="1930659369"/>
-                      </a:ext>
-                    </a:extLst>
-                  </a:tr>
-                  <a:tr h="155386">
-                    <a:tc>
-                      <a:txBody>
-                        <a:bodyPr/>
-                        <a:lstStyle/>
-                        <a:p>
-                          <a:pPr algn="ctr"/>
-                          <a:r>
-                            <a:rPr kumimoji="1" lang="en-US" altLang="ja-JP" sz="900" dirty="0">
-                              <a:latin typeface="Cambria Math" panose="02040503050406030204" pitchFamily="18" charset="0"/>
-                            </a:rPr>
-                            <a:t>...</a:t>
-                          </a:r>
-                          <a:endParaRPr kumimoji="1" lang="ja-JP" altLang="en-US" sz="900" dirty="0">
-                            <a:latin typeface="Cambria Math" panose="02040503050406030204" pitchFamily="18" charset="0"/>
-                          </a:endParaRPr>
-                        </a:p>
-                      </a:txBody>
-                      <a:tcPr marL="18226" marR="18226" marT="9113" marB="9113" anchor="ctr">
-                        <a:lnL w="12700" cap="flat" cmpd="sng" algn="ctr">
-                          <a:solidFill>
-                            <a:schemeClr val="tx1"/>
-                          </a:solidFill>
-                          <a:prstDash val="solid"/>
-                          <a:round/>
-                          <a:headEnd type="none" w="med" len="med"/>
-                          <a:tailEnd type="none" w="med" len="med"/>
-                        </a:lnL>
-                        <a:lnR w="12700" cap="flat" cmpd="sng" algn="ctr">
-                          <a:solidFill>
-                            <a:schemeClr val="tx1"/>
-                          </a:solidFill>
-                          <a:prstDash val="solid"/>
-                          <a:round/>
-                          <a:headEnd type="none" w="med" len="med"/>
-                          <a:tailEnd type="none" w="med" len="med"/>
-                        </a:lnR>
-                        <a:lnT w="9525" cap="flat" cmpd="sng" algn="ctr">
-                          <a:solidFill>
-                            <a:schemeClr val="tx1"/>
-                          </a:solidFill>
-                          <a:prstDash val="sysDot"/>
-                          <a:round/>
-                          <a:headEnd type="none" w="med" len="med"/>
-                          <a:tailEnd type="none" w="med" len="med"/>
-                        </a:lnT>
-                        <a:lnB w="12700" cap="flat" cmpd="sng" algn="ctr">
-                          <a:noFill/>
-                          <a:prstDash val="solid"/>
-                          <a:round/>
-                          <a:headEnd type="none" w="med" len="med"/>
-                          <a:tailEnd type="none" w="med" len="med"/>
-                        </a:lnB>
-                        <a:solidFill>
-                          <a:schemeClr val="bg1"/>
-                        </a:solidFill>
-                      </a:tcPr>
-                    </a:tc>
-                    <a:extLst>
-                      <a:ext uri="{0D108BD9-81ED-4DB2-BD59-A6C34878D82A}">
-                        <a16:rowId xmlns:a16="http://schemas.microsoft.com/office/drawing/2014/main" val="4212267831"/>
-                      </a:ext>
-                    </a:extLst>
-                  </a:tr>
-                  <a:tr h="155386">
-                    <a:tc>
-                      <a:txBody>
-                        <a:bodyPr/>
-                        <a:lstStyle/>
-                        <a:p>
-                          <a:pPr algn="ctr"/>
-                          <a:r>
-                            <a:rPr kumimoji="1" lang="en-US" altLang="ja-JP" sz="900" dirty="0">
-                              <a:latin typeface="Cambria Math" panose="02040503050406030204" pitchFamily="18" charset="0"/>
-                            </a:rPr>
-                            <a:t>Link1</a:t>
-                          </a:r>
-                          <a:endParaRPr kumimoji="1" lang="ja-JP" altLang="en-US" sz="900" dirty="0">
-                            <a:latin typeface="Cambria Math" panose="02040503050406030204" pitchFamily="18" charset="0"/>
-                          </a:endParaRPr>
-                        </a:p>
-                      </a:txBody>
-                      <a:tcPr marL="18226" marR="18226" marT="9113" marB="9113" anchor="ctr">
-                        <a:lnL w="12700" cap="flat" cmpd="sng" algn="ctr">
-                          <a:solidFill>
-                            <a:schemeClr val="tx1"/>
-                          </a:solidFill>
-                          <a:prstDash val="solid"/>
-                          <a:round/>
-                          <a:headEnd type="none" w="med" len="med"/>
-                          <a:tailEnd type="none" w="med" len="med"/>
-                        </a:lnL>
-                        <a:lnR w="12700" cap="flat" cmpd="sng" algn="ctr">
-                          <a:solidFill>
-                            <a:schemeClr val="tx1"/>
-                          </a:solidFill>
-                          <a:prstDash val="solid"/>
-                          <a:round/>
-                          <a:headEnd type="none" w="med" len="med"/>
-                          <a:tailEnd type="none" w="med" len="med"/>
-                        </a:lnR>
-                        <a:lnT w="12700" cap="flat" cmpd="sng" algn="ctr">
-                          <a:noFill/>
-                          <a:prstDash val="solid"/>
-                          <a:round/>
-                          <a:headEnd type="none" w="med" len="med"/>
-                          <a:tailEnd type="none" w="med" len="med"/>
-                        </a:lnT>
-                        <a:lnB w="9525" cap="flat" cmpd="sng" algn="ctr">
-                          <a:solidFill>
-                            <a:schemeClr val="tx1"/>
-                          </a:solidFill>
-                          <a:prstDash val="solid"/>
-                          <a:round/>
-                          <a:headEnd type="none" w="med" len="med"/>
-                          <a:tailEnd type="none" w="med" len="med"/>
-                        </a:lnB>
-                        <a:solidFill>
-                          <a:schemeClr val="bg1"/>
-                        </a:solidFill>
-                      </a:tcPr>
-                    </a:tc>
-                    <a:extLst>
-                      <a:ext uri="{0D108BD9-81ED-4DB2-BD59-A6C34878D82A}">
-                        <a16:rowId xmlns:a16="http://schemas.microsoft.com/office/drawing/2014/main" val="77431627"/>
-                      </a:ext>
-                    </a:extLst>
-                  </a:tr>
-                  <a:tr h="155386">
-                    <a:tc>
-                      <a:txBody>
-                        <a:bodyPr/>
-                        <a:lstStyle/>
-                        <a:p>
-                          <a:endParaRPr lang="ja-JP"/>
-                        </a:p>
-                      </a:txBody>
-                      <a:tcPr marL="18226" marR="18226" marT="9113" marB="9113" anchor="ctr">
-                        <a:lnL w="12700" cap="flat" cmpd="sng" algn="ctr">
-                          <a:solidFill>
-                            <a:schemeClr val="tx1"/>
-                          </a:solidFill>
-                          <a:prstDash val="solid"/>
-                          <a:round/>
-                          <a:headEnd type="none" w="med" len="med"/>
-                          <a:tailEnd type="none" w="med" len="med"/>
-                        </a:lnL>
-                        <a:lnR w="12700" cap="flat" cmpd="sng" algn="ctr">
-                          <a:solidFill>
-                            <a:schemeClr val="tx1"/>
-                          </a:solidFill>
-                          <a:prstDash val="solid"/>
-                          <a:round/>
-                          <a:headEnd type="none" w="med" len="med"/>
-                          <a:tailEnd type="none" w="med" len="med"/>
-                        </a:lnR>
-                        <a:lnT w="9525" cap="flat" cmpd="sng" algn="ctr">
-                          <a:solidFill>
-                            <a:schemeClr val="tx1"/>
-                          </a:solidFill>
-                          <a:prstDash val="solid"/>
-                          <a:round/>
-                          <a:headEnd type="none" w="med" len="med"/>
-                          <a:tailEnd type="none" w="med" len="med"/>
-                        </a:lnT>
-                        <a:lnB w="12700" cap="flat" cmpd="sng" algn="ctr">
-                          <a:solidFill>
-                            <a:schemeClr val="tx1"/>
-                          </a:solidFill>
-                          <a:prstDash val="solid"/>
-                          <a:round/>
-                          <a:headEnd type="none" w="med" len="med"/>
-                          <a:tailEnd type="none" w="med" len="med"/>
-                        </a:lnB>
-                        <a:blipFill>
-                          <a:blip r:embed="rId3"/>
-                          <a:stretch>
-                            <a:fillRect l="-962" t="-600000" r="-2885" b="-38462"/>
-                          </a:stretch>
-                        </a:blipFill>
-                      </a:tcPr>
-                    </a:tc>
-                    <a:extLst>
-                      <a:ext uri="{0D108BD9-81ED-4DB2-BD59-A6C34878D82A}">
-                        <a16:rowId xmlns:a16="http://schemas.microsoft.com/office/drawing/2014/main" val="380398867"/>
-                      </a:ext>
-                    </a:extLst>
-                  </a:tr>
-                </a:tbl>
-              </a:graphicData>
-            </a:graphic>
-          </p:graphicFrame>
-        </mc:Fallback>
-      </mc:AlternateContent>
-      <mc:AlternateContent xmlns:mc="http://schemas.openxmlformats.org/markup-compatibility/2006">
-        <mc:Choice xmlns:a14="http://schemas.microsoft.com/office/drawing/2010/main" Requires="a14">
-          <p:graphicFrame>
-            <p:nvGraphicFramePr>
-              <p:cNvPr id="155" name="表 49">
+              </a:tr>
+              <a:tr h="150873">
+                <a:tc>
+                  <a:txBody>
+                    <a:bodyPr/>
+                    <a:lstStyle/>
+                    <a:p>
+                      <a:pPr algn="ctr"/>
+                      <a:r>
+                        <a:rPr kumimoji="1" lang="en-US" altLang="ja-JP" sz="900" dirty="0">
+                          <a:latin typeface="Cambria Math" panose="02040503050406030204" pitchFamily="18" charset="0"/>
+                          <a:ea typeface="Cambria Math" panose="02040503050406030204" pitchFamily="18" charset="0"/>
+                        </a:rPr>
+                        <a:t>...</a:t>
+                      </a:r>
+                      <a:endParaRPr kumimoji="1" lang="ja-JP" altLang="en-US" sz="900" dirty="0">
+                        <a:latin typeface="Cambria Math" panose="02040503050406030204" pitchFamily="18" charset="0"/>
+                      </a:endParaRPr>
+                    </a:p>
+                  </a:txBody>
+                  <a:tcPr marL="18226" marR="18226" marT="9113" marB="9113" anchor="ctr">
+                    <a:lnL w="12700" cap="flat" cmpd="sng" algn="ctr">
+                      <a:solidFill>
+                        <a:schemeClr val="tx1"/>
+                      </a:solidFill>
+                      <a:prstDash val="solid"/>
+                      <a:round/>
+                      <a:headEnd type="none" w="med" len="med"/>
+                      <a:tailEnd type="none" w="med" len="med"/>
+                    </a:lnL>
+                    <a:lnR w="12700" cap="flat" cmpd="sng" algn="ctr">
+                      <a:solidFill>
+                        <a:schemeClr val="tx1"/>
+                      </a:solidFill>
+                      <a:prstDash val="solid"/>
+                      <a:round/>
+                      <a:headEnd type="none" w="med" len="med"/>
+                      <a:tailEnd type="none" w="med" len="med"/>
+                    </a:lnR>
+                    <a:lnB w="9525" cap="flat" cmpd="sng" algn="ctr">
+                      <a:solidFill>
+                        <a:schemeClr val="tx1"/>
+                      </a:solidFill>
+                      <a:prstDash val="sysDot"/>
+                      <a:round/>
+                      <a:headEnd type="none" w="med" len="med"/>
+                      <a:tailEnd type="none" w="med" len="med"/>
+                    </a:lnB>
+                    <a:solidFill>
+                      <a:schemeClr val="bg1"/>
+                    </a:solidFill>
+                  </a:tcPr>
+                </a:tc>
                 <a:extLst>
-                  <a:ext uri="{FF2B5EF4-FFF2-40B4-BE49-F238E27FC236}">
-                    <a16:creationId xmlns:a16="http://schemas.microsoft.com/office/drawing/2014/main" id="{693E5D64-78F2-6C13-095F-BC6DE9B320C6}"/>
+                  <a:ext uri="{0D108BD9-81ED-4DB2-BD59-A6C34878D82A}">
+                    <a16:rowId xmlns:a16="http://schemas.microsoft.com/office/drawing/2014/main" val="1930659369"/>
                   </a:ext>
                 </a:extLst>
-              </p:cNvPr>
-              <p:cNvGraphicFramePr>
-                <a:graphicFrameLocks noGrp="1"/>
-              </p:cNvGraphicFramePr>
-              <p:nvPr>
-                <p:extLst>
-                  <p:ext uri="{D42A27DB-BD31-4B8C-83A1-F6EECF244321}">
-                    <p14:modId xmlns:p14="http://schemas.microsoft.com/office/powerpoint/2010/main" val="4272151859"/>
-                  </p:ext>
-                </p:extLst>
-              </p:nvPr>
-            </p:nvGraphicFramePr>
-            <p:xfrm>
-              <a:off x="1150261" y="238692"/>
-              <a:ext cx="633054" cy="1069476"/>
-            </p:xfrm>
-            <a:graphic>
-              <a:graphicData uri="http://schemas.openxmlformats.org/drawingml/2006/table">
-                <a:tbl>
-                  <a:tblPr firstRow="1" bandRow="1">
-                    <a:tableStyleId>{2D5ABB26-0587-4C30-8999-92F81FD0307C}</a:tableStyleId>
-                  </a:tblPr>
-                  <a:tblGrid>
-                    <a:gridCol w="633054">
-                      <a:extLst>
-                        <a:ext uri="{9D8B030D-6E8A-4147-A177-3AD203B41FA5}">
-                          <a16:colId xmlns:a16="http://schemas.microsoft.com/office/drawing/2014/main" val="1391329631"/>
-                        </a:ext>
-                      </a:extLst>
-                    </a:gridCol>
-                  </a:tblGrid>
-                  <a:tr h="143849">
-                    <a:tc>
-                      <a:txBody>
-                        <a:bodyPr/>
-                        <a:lstStyle/>
-                        <a:p>
-                          <a:pPr algn="ctr"/>
-                          <a:r>
-                            <a:rPr kumimoji="1" lang="en-US" altLang="ja-JP" sz="900" dirty="0">
-                              <a:latin typeface="Cambria Math" panose="02040503050406030204" pitchFamily="18" charset="0"/>
-                            </a:rPr>
-                            <a:t>Header</a:t>
-                          </a:r>
-                          <a:endParaRPr kumimoji="1" lang="ja-JP" altLang="en-US" sz="900" dirty="0">
-                            <a:latin typeface="Cambria Math" panose="02040503050406030204" pitchFamily="18" charset="0"/>
-                          </a:endParaRPr>
-                        </a:p>
-                      </a:txBody>
-                      <a:tcPr marL="18226" marR="18226" marT="9113" marB="9113" anchor="ctr">
-                        <a:lnL w="12700" cap="flat" cmpd="sng" algn="ctr">
-                          <a:solidFill>
-                            <a:schemeClr val="tx1"/>
-                          </a:solidFill>
-                          <a:prstDash val="solid"/>
-                          <a:round/>
-                          <a:headEnd type="none" w="med" len="med"/>
-                          <a:tailEnd type="none" w="med" len="med"/>
-                        </a:lnL>
-                        <a:lnR w="12700" cap="flat" cmpd="sng" algn="ctr">
-                          <a:solidFill>
-                            <a:schemeClr val="tx1"/>
-                          </a:solidFill>
-                          <a:prstDash val="solid"/>
-                          <a:round/>
-                          <a:headEnd type="none" w="med" len="med"/>
-                          <a:tailEnd type="none" w="med" len="med"/>
-                        </a:lnR>
-                        <a:lnT w="12700" cap="flat" cmpd="sng" algn="ctr">
-                          <a:solidFill>
-                            <a:schemeClr val="tx1"/>
-                          </a:solidFill>
-                          <a:prstDash val="solid"/>
-                          <a:round/>
-                          <a:headEnd type="none" w="med" len="med"/>
-                          <a:tailEnd type="none" w="med" len="med"/>
-                        </a:lnT>
-                        <a:lnB w="9525" cap="flat" cmpd="sng" algn="ctr">
-                          <a:solidFill>
-                            <a:schemeClr val="tx1"/>
-                          </a:solidFill>
-                          <a:prstDash val="solid"/>
-                          <a:round/>
-                          <a:headEnd type="none" w="med" len="med"/>
-                          <a:tailEnd type="none" w="med" len="med"/>
-                        </a:lnB>
-                        <a:solidFill>
-                          <a:schemeClr val="bg1"/>
-                        </a:solidFill>
-                      </a:tcPr>
-                    </a:tc>
-                    <a:extLst>
-                      <a:ext uri="{0D108BD9-81ED-4DB2-BD59-A6C34878D82A}">
-                        <a16:rowId xmlns:a16="http://schemas.microsoft.com/office/drawing/2014/main" val="3783925622"/>
-                      </a:ext>
-                    </a:extLst>
-                  </a:tr>
-                  <a:tr h="266707">
-                    <a:tc>
-                      <a:txBody>
-                        <a:bodyPr/>
-                        <a:lstStyle/>
-                        <a:p>
-                          <a:pPr algn="ctr"/>
-                          <a:r>
-                            <a:rPr kumimoji="1" lang="en-US" altLang="ja-JP" sz="900" dirty="0">
-                              <a:latin typeface="Cambria Math" panose="02040503050406030204" pitchFamily="18" charset="0"/>
-                              <a:ea typeface="Cambria Math" panose="02040503050406030204" pitchFamily="18" charset="0"/>
-                            </a:rPr>
-                            <a:t>Key1:</a:t>
-                          </a:r>
-                        </a:p>
-                        <a:p>
-                          <a:pPr algn="ctr"/>
-                          <a:r>
-                            <a:rPr kumimoji="1" lang="en-US" altLang="ja-JP" sz="900" dirty="0">
-                              <a:latin typeface="Cambria Math" panose="02040503050406030204" pitchFamily="18" charset="0"/>
-                              <a:ea typeface="Cambria Math" panose="02040503050406030204" pitchFamily="18" charset="0"/>
-                            </a:rPr>
-                            <a:t>“example.”</a:t>
-                          </a:r>
-                        </a:p>
-                      </a:txBody>
-                      <a:tcPr marL="18226" marR="18226" marT="9113" marB="9113" anchor="ctr">
-                        <a:lnL w="12700" cap="flat" cmpd="sng" algn="ctr">
-                          <a:solidFill>
-                            <a:schemeClr val="tx1"/>
-                          </a:solidFill>
-                          <a:prstDash val="solid"/>
-                          <a:round/>
-                          <a:headEnd type="none" w="med" len="med"/>
-                          <a:tailEnd type="none" w="med" len="med"/>
-                        </a:lnL>
-                        <a:lnR w="12700" cap="flat" cmpd="sng" algn="ctr">
-                          <a:solidFill>
-                            <a:schemeClr val="tx1"/>
-                          </a:solidFill>
-                          <a:prstDash val="solid"/>
-                          <a:round/>
-                          <a:headEnd type="none" w="med" len="med"/>
-                          <a:tailEnd type="none" w="med" len="med"/>
-                        </a:lnR>
-                        <a:lnT w="9525" cap="flat" cmpd="sng" algn="ctr">
-                          <a:solidFill>
-                            <a:schemeClr val="tx1"/>
-                          </a:solidFill>
-                          <a:prstDash val="solid"/>
-                          <a:round/>
-                          <a:headEnd type="none" w="med" len="med"/>
-                          <a:tailEnd type="none" w="med" len="med"/>
-                        </a:lnT>
-                        <a:solidFill>
-                          <a:schemeClr val="bg1"/>
-                        </a:solidFill>
-                      </a:tcPr>
-                    </a:tc>
-                    <a:extLst>
-                      <a:ext uri="{0D108BD9-81ED-4DB2-BD59-A6C34878D82A}">
-                        <a16:rowId xmlns:a16="http://schemas.microsoft.com/office/drawing/2014/main" val="2244812955"/>
-                      </a:ext>
-                    </a:extLst>
-                  </a:tr>
-                  <a:tr h="143849">
-                    <a:tc>
-                      <a:txBody>
-                        <a:bodyPr/>
-                        <a:lstStyle/>
-                        <a:p>
-                          <a:pPr algn="ctr"/>
-                          <a:endParaRPr kumimoji="1" lang="ja-JP" altLang="en-US" sz="900" dirty="0">
-                            <a:latin typeface="Cambria Math" panose="02040503050406030204" pitchFamily="18" charset="0"/>
-                          </a:endParaRPr>
-                        </a:p>
-                      </a:txBody>
-                      <a:tcPr marL="18226" marR="18226" marT="9113" marB="9113" anchor="ctr">
-                        <a:lnL w="12700" cap="flat" cmpd="sng" algn="ctr">
-                          <a:solidFill>
-                            <a:schemeClr val="tx1"/>
-                          </a:solidFill>
-                          <a:prstDash val="solid"/>
-                          <a:round/>
-                          <a:headEnd type="none" w="med" len="med"/>
-                          <a:tailEnd type="none" w="med" len="med"/>
-                        </a:lnL>
-                        <a:lnR w="12700" cap="flat" cmpd="sng" algn="ctr">
-                          <a:solidFill>
-                            <a:schemeClr val="tx1"/>
-                          </a:solidFill>
-                          <a:prstDash val="solid"/>
-                          <a:round/>
-                          <a:headEnd type="none" w="med" len="med"/>
-                          <a:tailEnd type="none" w="med" len="med"/>
-                        </a:lnR>
-                        <a:lnB w="9525" cap="flat" cmpd="sng" algn="ctr">
-                          <a:solidFill>
-                            <a:schemeClr val="tx1"/>
-                          </a:solidFill>
-                          <a:prstDash val="sysDot"/>
-                          <a:round/>
-                          <a:headEnd type="none" w="med" len="med"/>
-                          <a:tailEnd type="none" w="med" len="med"/>
-                        </a:lnB>
-                        <a:solidFill>
-                          <a:schemeClr val="bg1"/>
-                        </a:solidFill>
-                      </a:tcPr>
-                    </a:tc>
-                    <a:extLst>
-                      <a:ext uri="{0D108BD9-81ED-4DB2-BD59-A6C34878D82A}">
-                        <a16:rowId xmlns:a16="http://schemas.microsoft.com/office/drawing/2014/main" val="1930659369"/>
-                      </a:ext>
-                    </a:extLst>
-                  </a:tr>
-                  <a:tr h="143849">
-                    <a:tc>
-                      <a:txBody>
-                        <a:bodyPr/>
-                        <a:lstStyle/>
-                        <a:p>
-                          <a:pPr algn="ctr"/>
-                          <a:endParaRPr kumimoji="1" lang="ja-JP" altLang="en-US" sz="900" dirty="0">
-                            <a:latin typeface="Cambria Math" panose="02040503050406030204" pitchFamily="18" charset="0"/>
-                          </a:endParaRPr>
-                        </a:p>
-                      </a:txBody>
-                      <a:tcPr marL="18226" marR="18226" marT="9113" marB="9113" anchor="ctr">
-                        <a:lnL w="12700" cap="flat" cmpd="sng" algn="ctr">
-                          <a:solidFill>
-                            <a:schemeClr val="tx1"/>
-                          </a:solidFill>
-                          <a:prstDash val="solid"/>
-                          <a:round/>
-                          <a:headEnd type="none" w="med" len="med"/>
-                          <a:tailEnd type="none" w="med" len="med"/>
-                        </a:lnL>
-                        <a:lnR w="12700" cap="flat" cmpd="sng" algn="ctr">
-                          <a:solidFill>
-                            <a:schemeClr val="tx1"/>
-                          </a:solidFill>
-                          <a:prstDash val="solid"/>
-                          <a:round/>
-                          <a:headEnd type="none" w="med" len="med"/>
-                          <a:tailEnd type="none" w="med" len="med"/>
-                        </a:lnR>
-                        <a:lnT w="9525" cap="flat" cmpd="sng" algn="ctr">
-                          <a:solidFill>
-                            <a:schemeClr val="tx1"/>
-                          </a:solidFill>
-                          <a:prstDash val="sysDot"/>
-                          <a:round/>
-                          <a:headEnd type="none" w="med" len="med"/>
-                          <a:tailEnd type="none" w="med" len="med"/>
-                        </a:lnT>
-                        <a:lnB w="12700" cap="flat" cmpd="sng" algn="ctr">
-                          <a:noFill/>
-                          <a:prstDash val="solid"/>
-                          <a:round/>
-                          <a:headEnd type="none" w="med" len="med"/>
-                          <a:tailEnd type="none" w="med" len="med"/>
-                        </a:lnB>
-                        <a:solidFill>
-                          <a:schemeClr val="bg1"/>
-                        </a:solidFill>
-                      </a:tcPr>
-                    </a:tc>
-                    <a:extLst>
-                      <a:ext uri="{0D108BD9-81ED-4DB2-BD59-A6C34878D82A}">
-                        <a16:rowId xmlns:a16="http://schemas.microsoft.com/office/drawing/2014/main" val="4212267831"/>
-                      </a:ext>
-                    </a:extLst>
-                  </a:tr>
-                  <a:tr h="143849">
-                    <a:tc>
-                      <a:txBody>
-                        <a:bodyPr/>
-                        <a:lstStyle/>
-                        <a:p>
-                          <a:pPr algn="ctr"/>
-                          <a:r>
-                            <a:rPr kumimoji="1" lang="en-US" altLang="ja-JP" sz="900" dirty="0">
-                              <a:latin typeface="Cambria Math" panose="02040503050406030204" pitchFamily="18" charset="0"/>
-                            </a:rPr>
-                            <a:t>Link1</a:t>
-                          </a:r>
-                          <a:endParaRPr kumimoji="1" lang="ja-JP" altLang="en-US" sz="900" dirty="0">
-                            <a:latin typeface="Cambria Math" panose="02040503050406030204" pitchFamily="18" charset="0"/>
-                          </a:endParaRPr>
-                        </a:p>
-                      </a:txBody>
-                      <a:tcPr marL="18226" marR="18226" marT="9113" marB="9113" anchor="ctr">
-                        <a:lnL w="12700" cap="flat" cmpd="sng" algn="ctr">
-                          <a:solidFill>
-                            <a:schemeClr val="tx1"/>
-                          </a:solidFill>
-                          <a:prstDash val="solid"/>
-                          <a:round/>
-                          <a:headEnd type="none" w="med" len="med"/>
-                          <a:tailEnd type="none" w="med" len="med"/>
-                        </a:lnL>
-                        <a:lnR w="12700" cap="flat" cmpd="sng" algn="ctr">
-                          <a:solidFill>
-                            <a:schemeClr val="tx1"/>
-                          </a:solidFill>
-                          <a:prstDash val="solid"/>
-                          <a:round/>
-                          <a:headEnd type="none" w="med" len="med"/>
-                          <a:tailEnd type="none" w="med" len="med"/>
-                        </a:lnR>
-                        <a:lnT w="12700" cap="flat" cmpd="sng" algn="ctr">
-                          <a:noFill/>
-                          <a:prstDash val="solid"/>
-                          <a:round/>
-                          <a:headEnd type="none" w="med" len="med"/>
-                          <a:tailEnd type="none" w="med" len="med"/>
-                        </a:lnT>
-                        <a:lnB w="9525" cap="flat" cmpd="sng" algn="ctr">
-                          <a:solidFill>
-                            <a:schemeClr val="tx1"/>
-                          </a:solidFill>
-                          <a:prstDash val="solid"/>
-                          <a:round/>
-                          <a:headEnd type="none" w="med" len="med"/>
-                          <a:tailEnd type="none" w="med" len="med"/>
-                        </a:lnB>
-                        <a:solidFill>
-                          <a:schemeClr val="bg1"/>
-                        </a:solidFill>
-                      </a:tcPr>
-                    </a:tc>
-                    <a:extLst>
-                      <a:ext uri="{0D108BD9-81ED-4DB2-BD59-A6C34878D82A}">
-                        <a16:rowId xmlns:a16="http://schemas.microsoft.com/office/drawing/2014/main" val="77431627"/>
-                      </a:ext>
-                    </a:extLst>
-                  </a:tr>
-                  <a:tr h="143849">
-                    <a:tc>
-                      <a:txBody>
-                        <a:bodyPr/>
-                        <a:lstStyle/>
-                        <a:p>
-                          <a:pPr marL="0" marR="0" lvl="0" indent="0" algn="ctr" defTabSz="191934" rtl="0" eaLnBrk="1" fontAlgn="auto" latinLnBrk="0" hangingPunct="1">
-                            <a:lnSpc>
-                              <a:spcPct val="100000"/>
-                            </a:lnSpc>
-                            <a:spcBef>
-                              <a:spcPts val="0"/>
-                            </a:spcBef>
-                            <a:spcAft>
-                              <a:spcPts val="0"/>
-                            </a:spcAft>
-                            <a:buClrTx/>
-                            <a:buSzTx/>
-                            <a:buFontTx/>
-                            <a:buNone/>
-                            <a:tabLst/>
-                            <a:defRPr/>
-                          </a:pPr>
-                          <a14:m>
-                            <m:oMath xmlns:m="http://schemas.openxmlformats.org/officeDocument/2006/math">
-                              <m:r>
-                                <m:rPr>
-                                  <m:sty m:val="p"/>
-                                </m:rPr>
-                                <a:rPr kumimoji="1" lang="en-US" altLang="ja-JP" sz="900" b="0" i="0" smtClean="0">
-                                  <a:solidFill>
-                                    <a:schemeClr val="tx1"/>
-                                  </a:solidFill>
-                                  <a:latin typeface="Cambria Math" panose="02040503050406030204" pitchFamily="18" charset="0"/>
-                                </a:rPr>
-                                <m:t>Δ</m:t>
-                              </m:r>
-                            </m:oMath>
-                          </a14:m>
-                          <a:r>
-                            <a:rPr kumimoji="1" lang="ja-JP" altLang="en-US" sz="900" dirty="0">
-                              <a:latin typeface="Cambria Math" panose="02040503050406030204" pitchFamily="18" charset="0"/>
-                            </a:rPr>
-                            <a:t> </a:t>
-                          </a:r>
-                          <a:r>
-                            <a:rPr kumimoji="1" lang="en-US" altLang="ja-JP" sz="900" dirty="0">
-                              <a:latin typeface="Cambria Math" panose="02040503050406030204" pitchFamily="18" charset="0"/>
-                            </a:rPr>
-                            <a:t>space</a:t>
-                          </a:r>
-                          <a:endParaRPr kumimoji="1" lang="ja-JP" altLang="en-US" sz="900" dirty="0">
-                            <a:solidFill>
-                              <a:schemeClr val="accent1"/>
-                            </a:solidFill>
-                            <a:latin typeface="Cambria Math" panose="02040503050406030204" pitchFamily="18" charset="0"/>
-                          </a:endParaRPr>
-                        </a:p>
-                      </a:txBody>
-                      <a:tcPr marL="18226" marR="18226" marT="9113" marB="9113" anchor="ctr">
-                        <a:lnL w="12700" cap="flat" cmpd="sng" algn="ctr">
-                          <a:solidFill>
-                            <a:schemeClr val="tx1"/>
-                          </a:solidFill>
-                          <a:prstDash val="solid"/>
-                          <a:round/>
-                          <a:headEnd type="none" w="med" len="med"/>
-                          <a:tailEnd type="none" w="med" len="med"/>
-                        </a:lnL>
-                        <a:lnR w="12700" cap="flat" cmpd="sng" algn="ctr">
-                          <a:solidFill>
-                            <a:schemeClr val="tx1"/>
-                          </a:solidFill>
-                          <a:prstDash val="solid"/>
-                          <a:round/>
-                          <a:headEnd type="none" w="med" len="med"/>
-                          <a:tailEnd type="none" w="med" len="med"/>
-                        </a:lnR>
-                        <a:lnT w="9525" cap="flat" cmpd="sng" algn="ctr">
-                          <a:solidFill>
-                            <a:schemeClr val="tx1"/>
-                          </a:solidFill>
-                          <a:prstDash val="solid"/>
-                          <a:round/>
-                          <a:headEnd type="none" w="med" len="med"/>
-                          <a:tailEnd type="none" w="med" len="med"/>
-                        </a:lnT>
-                        <a:lnB w="12700" cap="flat" cmpd="sng" algn="ctr">
-                          <a:solidFill>
-                            <a:schemeClr val="tx1"/>
-                          </a:solidFill>
-                          <a:prstDash val="solid"/>
-                          <a:round/>
-                          <a:headEnd type="none" w="med" len="med"/>
-                          <a:tailEnd type="none" w="med" len="med"/>
-                        </a:lnB>
-                        <a:solidFill>
-                          <a:schemeClr val="bg1"/>
-                        </a:solidFill>
-                      </a:tcPr>
-                    </a:tc>
-                    <a:extLst>
-                      <a:ext uri="{0D108BD9-81ED-4DB2-BD59-A6C34878D82A}">
-                        <a16:rowId xmlns:a16="http://schemas.microsoft.com/office/drawing/2014/main" val="380398867"/>
-                      </a:ext>
-                    </a:extLst>
-                  </a:tr>
-                </a:tbl>
-              </a:graphicData>
-            </a:graphic>
-          </p:graphicFrame>
-        </mc:Choice>
-        <mc:Fallback>
-          <p:graphicFrame>
-            <p:nvGraphicFramePr>
-              <p:cNvPr id="155" name="表 49">
+              </a:tr>
+              <a:tr h="150873">
+                <a:tc>
+                  <a:txBody>
+                    <a:bodyPr/>
+                    <a:lstStyle/>
+                    <a:p>
+                      <a:pPr algn="ctr"/>
+                      <a:r>
+                        <a:rPr kumimoji="1" lang="en-US" altLang="ja-JP" sz="900" dirty="0">
+                          <a:latin typeface="Cambria Math" panose="02040503050406030204" pitchFamily="18" charset="0"/>
+                        </a:rPr>
+                        <a:t>...</a:t>
+                      </a:r>
+                      <a:endParaRPr kumimoji="1" lang="ja-JP" altLang="en-US" sz="900" dirty="0">
+                        <a:latin typeface="Cambria Math" panose="02040503050406030204" pitchFamily="18" charset="0"/>
+                      </a:endParaRPr>
+                    </a:p>
+                  </a:txBody>
+                  <a:tcPr marL="18226" marR="18226" marT="9113" marB="9113" anchor="ctr">
+                    <a:lnL w="12700" cap="flat" cmpd="sng" algn="ctr">
+                      <a:solidFill>
+                        <a:schemeClr val="tx1"/>
+                      </a:solidFill>
+                      <a:prstDash val="solid"/>
+                      <a:round/>
+                      <a:headEnd type="none" w="med" len="med"/>
+                      <a:tailEnd type="none" w="med" len="med"/>
+                    </a:lnL>
+                    <a:lnR w="12700" cap="flat" cmpd="sng" algn="ctr">
+                      <a:solidFill>
+                        <a:schemeClr val="tx1"/>
+                      </a:solidFill>
+                      <a:prstDash val="solid"/>
+                      <a:round/>
+                      <a:headEnd type="none" w="med" len="med"/>
+                      <a:tailEnd type="none" w="med" len="med"/>
+                    </a:lnR>
+                    <a:lnT w="9525" cap="flat" cmpd="sng" algn="ctr">
+                      <a:solidFill>
+                        <a:schemeClr val="tx1"/>
+                      </a:solidFill>
+                      <a:prstDash val="sysDot"/>
+                      <a:round/>
+                      <a:headEnd type="none" w="med" len="med"/>
+                      <a:tailEnd type="none" w="med" len="med"/>
+                    </a:lnT>
+                    <a:lnB w="12700" cap="flat" cmpd="sng" algn="ctr">
+                      <a:noFill/>
+                      <a:prstDash val="solid"/>
+                      <a:round/>
+                      <a:headEnd type="none" w="med" len="med"/>
+                      <a:tailEnd type="none" w="med" len="med"/>
+                    </a:lnB>
+                    <a:solidFill>
+                      <a:schemeClr val="bg1"/>
+                    </a:solidFill>
+                  </a:tcPr>
+                </a:tc>
                 <a:extLst>
-                  <a:ext uri="{FF2B5EF4-FFF2-40B4-BE49-F238E27FC236}">
-                    <a16:creationId xmlns:a16="http://schemas.microsoft.com/office/drawing/2014/main" id="{693E5D64-78F2-6C13-095F-BC6DE9B320C6}"/>
+                  <a:ext uri="{0D108BD9-81ED-4DB2-BD59-A6C34878D82A}">
+                    <a16:rowId xmlns:a16="http://schemas.microsoft.com/office/drawing/2014/main" val="4212267831"/>
                   </a:ext>
                 </a:extLst>
-              </p:cNvPr>
-              <p:cNvGraphicFramePr>
-                <a:graphicFrameLocks noGrp="1"/>
-              </p:cNvGraphicFramePr>
-              <p:nvPr>
-                <p:extLst>
-                  <p:ext uri="{D42A27DB-BD31-4B8C-83A1-F6EECF244321}">
-                    <p14:modId xmlns:p14="http://schemas.microsoft.com/office/powerpoint/2010/main" val="4272151859"/>
-                  </p:ext>
-                </p:extLst>
-              </p:nvPr>
-            </p:nvGraphicFramePr>
-            <p:xfrm>
-              <a:off x="1150261" y="238692"/>
-              <a:ext cx="633054" cy="1069476"/>
-            </p:xfrm>
-            <a:graphic>
-              <a:graphicData uri="http://schemas.openxmlformats.org/drawingml/2006/table">
-                <a:tbl>
-                  <a:tblPr firstRow="1" bandRow="1">
-                    <a:tableStyleId>{2D5ABB26-0587-4C30-8999-92F81FD0307C}</a:tableStyleId>
-                  </a:tblPr>
-                  <a:tblGrid>
-                    <a:gridCol w="633054">
-                      <a:extLst>
-                        <a:ext uri="{9D8B030D-6E8A-4147-A177-3AD203B41FA5}">
-                          <a16:colId xmlns:a16="http://schemas.microsoft.com/office/drawing/2014/main" val="1391329631"/>
-                        </a:ext>
-                      </a:extLst>
-                    </a:gridCol>
-                  </a:tblGrid>
-                  <a:tr h="155386">
-                    <a:tc>
-                      <a:txBody>
-                        <a:bodyPr/>
-                        <a:lstStyle/>
-                        <a:p>
-                          <a:pPr algn="ctr"/>
-                          <a:r>
-                            <a:rPr kumimoji="1" lang="en-US" altLang="ja-JP" sz="900" dirty="0">
-                              <a:latin typeface="Cambria Math" panose="02040503050406030204" pitchFamily="18" charset="0"/>
-                            </a:rPr>
-                            <a:t>Header</a:t>
-                          </a:r>
-                          <a:endParaRPr kumimoji="1" lang="ja-JP" altLang="en-US" sz="900" dirty="0">
-                            <a:latin typeface="Cambria Math" panose="02040503050406030204" pitchFamily="18" charset="0"/>
-                          </a:endParaRPr>
-                        </a:p>
-                      </a:txBody>
-                      <a:tcPr marL="18226" marR="18226" marT="9113" marB="9113" anchor="ctr">
-                        <a:lnL w="12700" cap="flat" cmpd="sng" algn="ctr">
-                          <a:solidFill>
-                            <a:schemeClr val="tx1"/>
-                          </a:solidFill>
-                          <a:prstDash val="solid"/>
-                          <a:round/>
-                          <a:headEnd type="none" w="med" len="med"/>
-                          <a:tailEnd type="none" w="med" len="med"/>
-                        </a:lnL>
-                        <a:lnR w="12700" cap="flat" cmpd="sng" algn="ctr">
-                          <a:solidFill>
-                            <a:schemeClr val="tx1"/>
-                          </a:solidFill>
-                          <a:prstDash val="solid"/>
-                          <a:round/>
-                          <a:headEnd type="none" w="med" len="med"/>
-                          <a:tailEnd type="none" w="med" len="med"/>
-                        </a:lnR>
-                        <a:lnT w="12700" cap="flat" cmpd="sng" algn="ctr">
-                          <a:solidFill>
-                            <a:schemeClr val="tx1"/>
-                          </a:solidFill>
-                          <a:prstDash val="solid"/>
-                          <a:round/>
-                          <a:headEnd type="none" w="med" len="med"/>
-                          <a:tailEnd type="none" w="med" len="med"/>
-                        </a:lnT>
-                        <a:lnB w="9525" cap="flat" cmpd="sng" algn="ctr">
-                          <a:solidFill>
-                            <a:schemeClr val="tx1"/>
-                          </a:solidFill>
-                          <a:prstDash val="solid"/>
-                          <a:round/>
-                          <a:headEnd type="none" w="med" len="med"/>
-                          <a:tailEnd type="none" w="med" len="med"/>
-                        </a:lnB>
-                        <a:solidFill>
-                          <a:schemeClr val="bg1"/>
-                        </a:solidFill>
-                      </a:tcPr>
-                    </a:tc>
-                    <a:extLst>
-                      <a:ext uri="{0D108BD9-81ED-4DB2-BD59-A6C34878D82A}">
-                        <a16:rowId xmlns:a16="http://schemas.microsoft.com/office/drawing/2014/main" val="3783925622"/>
-                      </a:ext>
-                    </a:extLst>
-                  </a:tr>
-                  <a:tr h="292546">
-                    <a:tc>
-                      <a:txBody>
-                        <a:bodyPr/>
-                        <a:lstStyle/>
-                        <a:p>
-                          <a:pPr algn="ctr"/>
-                          <a:r>
-                            <a:rPr kumimoji="1" lang="en-US" altLang="ja-JP" sz="900" dirty="0">
-                              <a:latin typeface="Cambria Math" panose="02040503050406030204" pitchFamily="18" charset="0"/>
-                              <a:ea typeface="Cambria Math" panose="02040503050406030204" pitchFamily="18" charset="0"/>
-                            </a:rPr>
-                            <a:t>Key1:</a:t>
-                          </a:r>
-                        </a:p>
-                        <a:p>
-                          <a:pPr algn="ctr"/>
-                          <a:r>
-                            <a:rPr kumimoji="1" lang="en-US" altLang="ja-JP" sz="900" dirty="0">
-                              <a:latin typeface="Cambria Math" panose="02040503050406030204" pitchFamily="18" charset="0"/>
-                              <a:ea typeface="Cambria Math" panose="02040503050406030204" pitchFamily="18" charset="0"/>
-                            </a:rPr>
-                            <a:t>“example.”</a:t>
-                          </a:r>
-                        </a:p>
-                      </a:txBody>
-                      <a:tcPr marL="18226" marR="18226" marT="9113" marB="9113" anchor="ctr">
-                        <a:lnL w="12700" cap="flat" cmpd="sng" algn="ctr">
-                          <a:solidFill>
-                            <a:schemeClr val="tx1"/>
-                          </a:solidFill>
-                          <a:prstDash val="solid"/>
-                          <a:round/>
-                          <a:headEnd type="none" w="med" len="med"/>
-                          <a:tailEnd type="none" w="med" len="med"/>
-                        </a:lnL>
-                        <a:lnR w="12700" cap="flat" cmpd="sng" algn="ctr">
-                          <a:solidFill>
-                            <a:schemeClr val="tx1"/>
-                          </a:solidFill>
-                          <a:prstDash val="solid"/>
-                          <a:round/>
-                          <a:headEnd type="none" w="med" len="med"/>
-                          <a:tailEnd type="none" w="med" len="med"/>
-                        </a:lnR>
-                        <a:lnT w="9525" cap="flat" cmpd="sng" algn="ctr">
-                          <a:solidFill>
-                            <a:schemeClr val="tx1"/>
-                          </a:solidFill>
-                          <a:prstDash val="solid"/>
-                          <a:round/>
-                          <a:headEnd type="none" w="med" len="med"/>
-                          <a:tailEnd type="none" w="med" len="med"/>
-                        </a:lnT>
-                        <a:solidFill>
-                          <a:schemeClr val="bg1"/>
-                        </a:solidFill>
-                      </a:tcPr>
-                    </a:tc>
-                    <a:extLst>
-                      <a:ext uri="{0D108BD9-81ED-4DB2-BD59-A6C34878D82A}">
-                        <a16:rowId xmlns:a16="http://schemas.microsoft.com/office/drawing/2014/main" val="2244812955"/>
-                      </a:ext>
-                    </a:extLst>
-                  </a:tr>
-                  <a:tr h="155386">
-                    <a:tc>
-                      <a:txBody>
-                        <a:bodyPr/>
-                        <a:lstStyle/>
-                        <a:p>
-                          <a:pPr algn="ctr"/>
-                          <a:endParaRPr kumimoji="1" lang="ja-JP" altLang="en-US" sz="900" dirty="0">
-                            <a:latin typeface="Cambria Math" panose="02040503050406030204" pitchFamily="18" charset="0"/>
-                          </a:endParaRPr>
-                        </a:p>
-                      </a:txBody>
-                      <a:tcPr marL="18226" marR="18226" marT="9113" marB="9113" anchor="ctr">
-                        <a:lnL w="12700" cap="flat" cmpd="sng" algn="ctr">
-                          <a:solidFill>
-                            <a:schemeClr val="tx1"/>
-                          </a:solidFill>
-                          <a:prstDash val="solid"/>
-                          <a:round/>
-                          <a:headEnd type="none" w="med" len="med"/>
-                          <a:tailEnd type="none" w="med" len="med"/>
-                        </a:lnL>
-                        <a:lnR w="12700" cap="flat" cmpd="sng" algn="ctr">
-                          <a:solidFill>
-                            <a:schemeClr val="tx1"/>
-                          </a:solidFill>
-                          <a:prstDash val="solid"/>
-                          <a:round/>
-                          <a:headEnd type="none" w="med" len="med"/>
-                          <a:tailEnd type="none" w="med" len="med"/>
-                        </a:lnR>
-                        <a:lnB w="9525" cap="flat" cmpd="sng" algn="ctr">
-                          <a:solidFill>
-                            <a:schemeClr val="tx1"/>
-                          </a:solidFill>
-                          <a:prstDash val="sysDot"/>
-                          <a:round/>
-                          <a:headEnd type="none" w="med" len="med"/>
-                          <a:tailEnd type="none" w="med" len="med"/>
-                        </a:lnB>
-                        <a:solidFill>
-                          <a:schemeClr val="bg1"/>
-                        </a:solidFill>
-                      </a:tcPr>
-                    </a:tc>
-                    <a:extLst>
-                      <a:ext uri="{0D108BD9-81ED-4DB2-BD59-A6C34878D82A}">
-                        <a16:rowId xmlns:a16="http://schemas.microsoft.com/office/drawing/2014/main" val="1930659369"/>
-                      </a:ext>
-                    </a:extLst>
-                  </a:tr>
-                  <a:tr h="155386">
-                    <a:tc>
-                      <a:txBody>
-                        <a:bodyPr/>
-                        <a:lstStyle/>
-                        <a:p>
-                          <a:pPr algn="ctr"/>
-                          <a:endParaRPr kumimoji="1" lang="ja-JP" altLang="en-US" sz="900" dirty="0">
-                            <a:latin typeface="Cambria Math" panose="02040503050406030204" pitchFamily="18" charset="0"/>
-                          </a:endParaRPr>
-                        </a:p>
-                      </a:txBody>
-                      <a:tcPr marL="18226" marR="18226" marT="9113" marB="9113" anchor="ctr">
-                        <a:lnL w="12700" cap="flat" cmpd="sng" algn="ctr">
-                          <a:solidFill>
-                            <a:schemeClr val="tx1"/>
-                          </a:solidFill>
-                          <a:prstDash val="solid"/>
-                          <a:round/>
-                          <a:headEnd type="none" w="med" len="med"/>
-                          <a:tailEnd type="none" w="med" len="med"/>
-                        </a:lnL>
-                        <a:lnR w="12700" cap="flat" cmpd="sng" algn="ctr">
-                          <a:solidFill>
-                            <a:schemeClr val="tx1"/>
-                          </a:solidFill>
-                          <a:prstDash val="solid"/>
-                          <a:round/>
-                          <a:headEnd type="none" w="med" len="med"/>
-                          <a:tailEnd type="none" w="med" len="med"/>
-                        </a:lnR>
-                        <a:lnT w="9525" cap="flat" cmpd="sng" algn="ctr">
-                          <a:solidFill>
-                            <a:schemeClr val="tx1"/>
-                          </a:solidFill>
-                          <a:prstDash val="sysDot"/>
-                          <a:round/>
-                          <a:headEnd type="none" w="med" len="med"/>
-                          <a:tailEnd type="none" w="med" len="med"/>
-                        </a:lnT>
-                        <a:lnB w="12700" cap="flat" cmpd="sng" algn="ctr">
-                          <a:noFill/>
-                          <a:prstDash val="solid"/>
-                          <a:round/>
-                          <a:headEnd type="none" w="med" len="med"/>
-                          <a:tailEnd type="none" w="med" len="med"/>
-                        </a:lnB>
-                        <a:solidFill>
-                          <a:schemeClr val="bg1"/>
-                        </a:solidFill>
-                      </a:tcPr>
-                    </a:tc>
-                    <a:extLst>
-                      <a:ext uri="{0D108BD9-81ED-4DB2-BD59-A6C34878D82A}">
-                        <a16:rowId xmlns:a16="http://schemas.microsoft.com/office/drawing/2014/main" val="4212267831"/>
-                      </a:ext>
-                    </a:extLst>
-                  </a:tr>
-                  <a:tr h="155386">
-                    <a:tc>
-                      <a:txBody>
-                        <a:bodyPr/>
-                        <a:lstStyle/>
-                        <a:p>
-                          <a:pPr algn="ctr"/>
-                          <a:r>
-                            <a:rPr kumimoji="1" lang="en-US" altLang="ja-JP" sz="900" dirty="0">
-                              <a:latin typeface="Cambria Math" panose="02040503050406030204" pitchFamily="18" charset="0"/>
-                            </a:rPr>
-                            <a:t>Link1</a:t>
-                          </a:r>
-                          <a:endParaRPr kumimoji="1" lang="ja-JP" altLang="en-US" sz="900" dirty="0">
-                            <a:latin typeface="Cambria Math" panose="02040503050406030204" pitchFamily="18" charset="0"/>
-                          </a:endParaRPr>
-                        </a:p>
-                      </a:txBody>
-                      <a:tcPr marL="18226" marR="18226" marT="9113" marB="9113" anchor="ctr">
-                        <a:lnL w="12700" cap="flat" cmpd="sng" algn="ctr">
-                          <a:solidFill>
-                            <a:schemeClr val="tx1"/>
-                          </a:solidFill>
-                          <a:prstDash val="solid"/>
-                          <a:round/>
-                          <a:headEnd type="none" w="med" len="med"/>
-                          <a:tailEnd type="none" w="med" len="med"/>
-                        </a:lnL>
-                        <a:lnR w="12700" cap="flat" cmpd="sng" algn="ctr">
-                          <a:solidFill>
-                            <a:schemeClr val="tx1"/>
-                          </a:solidFill>
-                          <a:prstDash val="solid"/>
-                          <a:round/>
-                          <a:headEnd type="none" w="med" len="med"/>
-                          <a:tailEnd type="none" w="med" len="med"/>
-                        </a:lnR>
-                        <a:lnT w="12700" cap="flat" cmpd="sng" algn="ctr">
-                          <a:noFill/>
-                          <a:prstDash val="solid"/>
-                          <a:round/>
-                          <a:headEnd type="none" w="med" len="med"/>
-                          <a:tailEnd type="none" w="med" len="med"/>
-                        </a:lnT>
-                        <a:lnB w="9525" cap="flat" cmpd="sng" algn="ctr">
-                          <a:solidFill>
-                            <a:schemeClr val="tx1"/>
-                          </a:solidFill>
-                          <a:prstDash val="solid"/>
-                          <a:round/>
-                          <a:headEnd type="none" w="med" len="med"/>
-                          <a:tailEnd type="none" w="med" len="med"/>
-                        </a:lnB>
-                        <a:solidFill>
-                          <a:schemeClr val="bg1"/>
-                        </a:solidFill>
-                      </a:tcPr>
-                    </a:tc>
-                    <a:extLst>
-                      <a:ext uri="{0D108BD9-81ED-4DB2-BD59-A6C34878D82A}">
-                        <a16:rowId xmlns:a16="http://schemas.microsoft.com/office/drawing/2014/main" val="77431627"/>
-                      </a:ext>
-                    </a:extLst>
-                  </a:tr>
-                  <a:tr h="155386">
-                    <a:tc>
-                      <a:txBody>
-                        <a:bodyPr/>
-                        <a:lstStyle/>
-                        <a:p>
-                          <a:endParaRPr lang="ja-JP"/>
-                        </a:p>
-                      </a:txBody>
-                      <a:tcPr marL="18226" marR="18226" marT="9113" marB="9113" anchor="ctr">
-                        <a:lnL w="12700" cap="flat" cmpd="sng" algn="ctr">
-                          <a:solidFill>
-                            <a:schemeClr val="tx1"/>
-                          </a:solidFill>
-                          <a:prstDash val="solid"/>
-                          <a:round/>
-                          <a:headEnd type="none" w="med" len="med"/>
-                          <a:tailEnd type="none" w="med" len="med"/>
-                        </a:lnL>
-                        <a:lnR w="12700" cap="flat" cmpd="sng" algn="ctr">
-                          <a:solidFill>
-                            <a:schemeClr val="tx1"/>
-                          </a:solidFill>
-                          <a:prstDash val="solid"/>
-                          <a:round/>
-                          <a:headEnd type="none" w="med" len="med"/>
-                          <a:tailEnd type="none" w="med" len="med"/>
-                        </a:lnR>
-                        <a:lnT w="9525" cap="flat" cmpd="sng" algn="ctr">
-                          <a:solidFill>
-                            <a:schemeClr val="tx1"/>
-                          </a:solidFill>
-                          <a:prstDash val="solid"/>
-                          <a:round/>
-                          <a:headEnd type="none" w="med" len="med"/>
-                          <a:tailEnd type="none" w="med" len="med"/>
-                        </a:lnT>
-                        <a:lnB w="12700" cap="flat" cmpd="sng" algn="ctr">
-                          <a:solidFill>
-                            <a:schemeClr val="tx1"/>
-                          </a:solidFill>
-                          <a:prstDash val="solid"/>
-                          <a:round/>
-                          <a:headEnd type="none" w="med" len="med"/>
-                          <a:tailEnd type="none" w="med" len="med"/>
-                        </a:lnB>
-                        <a:blipFill>
-                          <a:blip r:embed="rId4"/>
-                          <a:stretch>
-                            <a:fillRect l="-952" t="-600000" r="-1905" b="-38462"/>
-                          </a:stretch>
-                        </a:blipFill>
-                      </a:tcPr>
-                    </a:tc>
-                    <a:extLst>
-                      <a:ext uri="{0D108BD9-81ED-4DB2-BD59-A6C34878D82A}">
-                        <a16:rowId xmlns:a16="http://schemas.microsoft.com/office/drawing/2014/main" val="380398867"/>
-                      </a:ext>
-                    </a:extLst>
-                  </a:tr>
-                </a:tbl>
-              </a:graphicData>
-            </a:graphic>
-          </p:graphicFrame>
-        </mc:Fallback>
-      </mc:AlternateContent>
-      <mc:AlternateContent xmlns:mc="http://schemas.openxmlformats.org/markup-compatibility/2006">
-        <mc:Choice xmlns:a14="http://schemas.microsoft.com/office/drawing/2010/main" Requires="a14">
-          <p:graphicFrame>
-            <p:nvGraphicFramePr>
-              <p:cNvPr id="156" name="表 49">
+              </a:tr>
+              <a:tr h="150873">
+                <a:tc>
+                  <a:txBody>
+                    <a:bodyPr/>
+                    <a:lstStyle/>
+                    <a:p>
+                      <a:pPr algn="ctr"/>
+                      <a:r>
+                        <a:rPr kumimoji="1" lang="en-US" altLang="ja-JP" sz="900" dirty="0">
+                          <a:latin typeface="Cambria Math" panose="02040503050406030204" pitchFamily="18" charset="0"/>
+                        </a:rPr>
+                        <a:t>Link1</a:t>
+                      </a:r>
+                      <a:endParaRPr kumimoji="1" lang="ja-JP" altLang="en-US" sz="900" dirty="0">
+                        <a:latin typeface="Cambria Math" panose="02040503050406030204" pitchFamily="18" charset="0"/>
+                      </a:endParaRPr>
+                    </a:p>
+                  </a:txBody>
+                  <a:tcPr marL="18226" marR="18226" marT="9113" marB="9113" anchor="ctr">
+                    <a:lnL w="12700" cap="flat" cmpd="sng" algn="ctr">
+                      <a:solidFill>
+                        <a:schemeClr val="tx1"/>
+                      </a:solidFill>
+                      <a:prstDash val="solid"/>
+                      <a:round/>
+                      <a:headEnd type="none" w="med" len="med"/>
+                      <a:tailEnd type="none" w="med" len="med"/>
+                    </a:lnL>
+                    <a:lnR w="12700" cap="flat" cmpd="sng" algn="ctr">
+                      <a:solidFill>
+                        <a:schemeClr val="tx1"/>
+                      </a:solidFill>
+                      <a:prstDash val="solid"/>
+                      <a:round/>
+                      <a:headEnd type="none" w="med" len="med"/>
+                      <a:tailEnd type="none" w="med" len="med"/>
+                    </a:lnR>
+                    <a:lnT w="12700" cap="flat" cmpd="sng" algn="ctr">
+                      <a:noFill/>
+                      <a:prstDash val="solid"/>
+                      <a:round/>
+                      <a:headEnd type="none" w="med" len="med"/>
+                      <a:tailEnd type="none" w="med" len="med"/>
+                    </a:lnT>
+                    <a:lnB w="9525" cap="flat" cmpd="sng" algn="ctr">
+                      <a:solidFill>
+                        <a:schemeClr val="tx1"/>
+                      </a:solidFill>
+                      <a:prstDash val="solid"/>
+                      <a:round/>
+                      <a:headEnd type="none" w="med" len="med"/>
+                      <a:tailEnd type="none" w="med" len="med"/>
+                    </a:lnB>
+                    <a:solidFill>
+                      <a:schemeClr val="bg1"/>
+                    </a:solidFill>
+                  </a:tcPr>
+                </a:tc>
                 <a:extLst>
-                  <a:ext uri="{FF2B5EF4-FFF2-40B4-BE49-F238E27FC236}">
-                    <a16:creationId xmlns:a16="http://schemas.microsoft.com/office/drawing/2014/main" id="{94C9A7F6-7643-A64C-1455-679308EF287C}"/>
+                  <a:ext uri="{0D108BD9-81ED-4DB2-BD59-A6C34878D82A}">
+                    <a16:rowId xmlns:a16="http://schemas.microsoft.com/office/drawing/2014/main" val="77431627"/>
                   </a:ext>
                 </a:extLst>
-              </p:cNvPr>
-              <p:cNvGraphicFramePr>
-                <a:graphicFrameLocks noGrp="1"/>
-              </p:cNvGraphicFramePr>
-              <p:nvPr>
-                <p:extLst>
-                  <p:ext uri="{D42A27DB-BD31-4B8C-83A1-F6EECF244321}">
-                    <p14:modId xmlns:p14="http://schemas.microsoft.com/office/powerpoint/2010/main" val="439470088"/>
-                  </p:ext>
-                </p:extLst>
-              </p:nvPr>
-            </p:nvGraphicFramePr>
-            <p:xfrm>
-              <a:off x="2071717" y="238692"/>
-              <a:ext cx="662373" cy="1069476"/>
-            </p:xfrm>
-            <a:graphic>
-              <a:graphicData uri="http://schemas.openxmlformats.org/drawingml/2006/table">
-                <a:tbl>
-                  <a:tblPr firstRow="1" bandRow="1">
-                    <a:tableStyleId>{2D5ABB26-0587-4C30-8999-92F81FD0307C}</a:tableStyleId>
-                  </a:tblPr>
-                  <a:tblGrid>
-                    <a:gridCol w="662373">
-                      <a:extLst>
-                        <a:ext uri="{9D8B030D-6E8A-4147-A177-3AD203B41FA5}">
-                          <a16:colId xmlns:a16="http://schemas.microsoft.com/office/drawing/2014/main" val="1391329631"/>
-                        </a:ext>
-                      </a:extLst>
-                    </a:gridCol>
-                  </a:tblGrid>
-                  <a:tr h="143849">
-                    <a:tc>
-                      <a:txBody>
-                        <a:bodyPr/>
-                        <a:lstStyle/>
-                        <a:p>
-                          <a:pPr algn="ctr"/>
-                          <a:r>
-                            <a:rPr kumimoji="1" lang="en-US" altLang="ja-JP" sz="900" dirty="0">
-                              <a:latin typeface="Cambria Math" panose="02040503050406030204" pitchFamily="18" charset="0"/>
-                            </a:rPr>
-                            <a:t>Header</a:t>
-                          </a:r>
-                          <a:endParaRPr kumimoji="1" lang="ja-JP" altLang="en-US" sz="900" dirty="0">
-                            <a:latin typeface="Cambria Math" panose="02040503050406030204" pitchFamily="18" charset="0"/>
-                          </a:endParaRPr>
-                        </a:p>
-                      </a:txBody>
-                      <a:tcPr marL="18226" marR="18226" marT="9113" marB="9113" anchor="ctr">
-                        <a:lnL w="12700" cap="flat" cmpd="sng" algn="ctr">
-                          <a:solidFill>
-                            <a:schemeClr val="tx1"/>
-                          </a:solidFill>
-                          <a:prstDash val="solid"/>
-                          <a:round/>
-                          <a:headEnd type="none" w="med" len="med"/>
-                          <a:tailEnd type="none" w="med" len="med"/>
-                        </a:lnL>
-                        <a:lnR w="12700" cap="flat" cmpd="sng" algn="ctr">
-                          <a:solidFill>
-                            <a:schemeClr val="tx1"/>
-                          </a:solidFill>
-                          <a:prstDash val="solid"/>
-                          <a:round/>
-                          <a:headEnd type="none" w="med" len="med"/>
-                          <a:tailEnd type="none" w="med" len="med"/>
-                        </a:lnR>
-                        <a:lnT w="12700" cap="flat" cmpd="sng" algn="ctr">
-                          <a:solidFill>
-                            <a:schemeClr val="tx1"/>
-                          </a:solidFill>
-                          <a:prstDash val="solid"/>
-                          <a:round/>
-                          <a:headEnd type="none" w="med" len="med"/>
-                          <a:tailEnd type="none" w="med" len="med"/>
-                        </a:lnT>
-                        <a:lnB w="9525" cap="flat" cmpd="sng" algn="ctr">
-                          <a:solidFill>
-                            <a:schemeClr val="tx1"/>
-                          </a:solidFill>
-                          <a:prstDash val="solid"/>
-                          <a:round/>
-                          <a:headEnd type="none" w="med" len="med"/>
-                          <a:tailEnd type="none" w="med" len="med"/>
-                        </a:lnB>
-                        <a:solidFill>
-                          <a:schemeClr val="bg1"/>
-                        </a:solidFill>
-                      </a:tcPr>
-                    </a:tc>
-                    <a:extLst>
-                      <a:ext uri="{0D108BD9-81ED-4DB2-BD59-A6C34878D82A}">
-                        <a16:rowId xmlns:a16="http://schemas.microsoft.com/office/drawing/2014/main" val="3783925622"/>
-                      </a:ext>
-                    </a:extLst>
-                  </a:tr>
-                  <a:tr h="266707">
-                    <a:tc>
-                      <a:txBody>
-                        <a:bodyPr/>
-                        <a:lstStyle/>
-                        <a:p>
-                          <a:pPr algn="ctr"/>
-                          <a:r>
-                            <a:rPr kumimoji="1" lang="en-US" altLang="ja-JP" sz="900" dirty="0">
-                              <a:latin typeface="Cambria Math" panose="02040503050406030204" pitchFamily="18" charset="0"/>
-                              <a:ea typeface="Cambria Math" panose="02040503050406030204" pitchFamily="18" charset="0"/>
-                            </a:rPr>
-                            <a:t>Key1:“com”</a:t>
-                          </a:r>
-                        </a:p>
-                        <a:p>
-                          <a:pPr algn="ctr"/>
-                          <a:r>
-                            <a:rPr kumimoji="1" lang="en-US" altLang="ja-JP" sz="900" dirty="0">
-                              <a:latin typeface="Cambria Math" panose="02040503050406030204" pitchFamily="18" charset="0"/>
-                              <a:ea typeface="Cambria Math" panose="02040503050406030204" pitchFamily="18" charset="0"/>
-                            </a:rPr>
-                            <a:t>Key2:“org”</a:t>
-                          </a:r>
-                        </a:p>
-                      </a:txBody>
-                      <a:tcPr marL="18226" marR="18226" marT="9113" marB="9113" anchor="ctr">
-                        <a:lnL w="12700" cap="flat" cmpd="sng" algn="ctr">
-                          <a:solidFill>
-                            <a:schemeClr val="tx1"/>
-                          </a:solidFill>
-                          <a:prstDash val="solid"/>
-                          <a:round/>
-                          <a:headEnd type="none" w="med" len="med"/>
-                          <a:tailEnd type="none" w="med" len="med"/>
-                        </a:lnL>
-                        <a:lnR w="12700" cap="flat" cmpd="sng" algn="ctr">
-                          <a:solidFill>
-                            <a:schemeClr val="tx1"/>
-                          </a:solidFill>
-                          <a:prstDash val="solid"/>
-                          <a:round/>
-                          <a:headEnd type="none" w="med" len="med"/>
-                          <a:tailEnd type="none" w="med" len="med"/>
-                        </a:lnR>
-                        <a:lnT w="9525" cap="flat" cmpd="sng" algn="ctr">
-                          <a:solidFill>
-                            <a:schemeClr val="tx1"/>
-                          </a:solidFill>
-                          <a:prstDash val="solid"/>
-                          <a:round/>
-                          <a:headEnd type="none" w="med" len="med"/>
-                          <a:tailEnd type="none" w="med" len="med"/>
-                        </a:lnT>
-                        <a:solidFill>
-                          <a:schemeClr val="bg1"/>
-                        </a:solidFill>
-                      </a:tcPr>
-                    </a:tc>
-                    <a:extLst>
-                      <a:ext uri="{0D108BD9-81ED-4DB2-BD59-A6C34878D82A}">
-                        <a16:rowId xmlns:a16="http://schemas.microsoft.com/office/drawing/2014/main" val="2244812955"/>
-                      </a:ext>
-                    </a:extLst>
-                  </a:tr>
-                  <a:tr h="143849">
-                    <a:tc>
-                      <a:txBody>
-                        <a:bodyPr/>
-                        <a:lstStyle/>
-                        <a:p>
-                          <a:pPr algn="ctr"/>
-                          <a:endParaRPr kumimoji="1" lang="ja-JP" altLang="en-US" sz="900" dirty="0">
-                            <a:latin typeface="Cambria Math" panose="02040503050406030204" pitchFamily="18" charset="0"/>
-                          </a:endParaRPr>
-                        </a:p>
-                      </a:txBody>
-                      <a:tcPr marL="18226" marR="18226" marT="9113" marB="9113" anchor="ctr">
-                        <a:lnL w="12700" cap="flat" cmpd="sng" algn="ctr">
-                          <a:solidFill>
-                            <a:schemeClr val="tx1"/>
-                          </a:solidFill>
-                          <a:prstDash val="solid"/>
-                          <a:round/>
-                          <a:headEnd type="none" w="med" len="med"/>
-                          <a:tailEnd type="none" w="med" len="med"/>
-                        </a:lnL>
-                        <a:lnR w="12700" cap="flat" cmpd="sng" algn="ctr">
-                          <a:solidFill>
-                            <a:schemeClr val="tx1"/>
-                          </a:solidFill>
-                          <a:prstDash val="solid"/>
-                          <a:round/>
-                          <a:headEnd type="none" w="med" len="med"/>
-                          <a:tailEnd type="none" w="med" len="med"/>
-                        </a:lnR>
-                        <a:lnB w="9525" cap="flat" cmpd="sng" algn="ctr">
-                          <a:solidFill>
-                            <a:schemeClr val="tx1"/>
-                          </a:solidFill>
-                          <a:prstDash val="sysDot"/>
-                          <a:round/>
-                          <a:headEnd type="none" w="med" len="med"/>
-                          <a:tailEnd type="none" w="med" len="med"/>
-                        </a:lnB>
-                        <a:solidFill>
-                          <a:schemeClr val="bg1"/>
-                        </a:solidFill>
-                      </a:tcPr>
-                    </a:tc>
-                    <a:extLst>
-                      <a:ext uri="{0D108BD9-81ED-4DB2-BD59-A6C34878D82A}">
-                        <a16:rowId xmlns:a16="http://schemas.microsoft.com/office/drawing/2014/main" val="1930659369"/>
-                      </a:ext>
-                    </a:extLst>
-                  </a:tr>
-                  <a:tr h="143849">
-                    <a:tc>
-                      <a:txBody>
-                        <a:bodyPr/>
-                        <a:lstStyle/>
-                        <a:p>
-                          <a:pPr algn="ctr"/>
-                          <a:r>
-                            <a:rPr kumimoji="1" lang="en-US" altLang="ja-JP" sz="900" dirty="0">
-                              <a:latin typeface="Cambria Math" panose="02040503050406030204" pitchFamily="18" charset="0"/>
-                            </a:rPr>
-                            <a:t>Payload2:B</a:t>
-                          </a:r>
-                          <a:endParaRPr kumimoji="1" lang="ja-JP" altLang="en-US" sz="900" dirty="0">
-                            <a:latin typeface="Cambria Math" panose="02040503050406030204" pitchFamily="18" charset="0"/>
-                          </a:endParaRPr>
-                        </a:p>
-                      </a:txBody>
-                      <a:tcPr marL="18226" marR="18226" marT="9113" marB="9113" anchor="ctr">
-                        <a:lnL w="12700" cap="flat" cmpd="sng" algn="ctr">
-                          <a:solidFill>
-                            <a:schemeClr val="tx1"/>
-                          </a:solidFill>
-                          <a:prstDash val="solid"/>
-                          <a:round/>
-                          <a:headEnd type="none" w="med" len="med"/>
-                          <a:tailEnd type="none" w="med" len="med"/>
-                        </a:lnL>
-                        <a:lnR w="12700" cap="flat" cmpd="sng" algn="ctr">
-                          <a:solidFill>
-                            <a:schemeClr val="tx1"/>
-                          </a:solidFill>
-                          <a:prstDash val="solid"/>
-                          <a:round/>
-                          <a:headEnd type="none" w="med" len="med"/>
-                          <a:tailEnd type="none" w="med" len="med"/>
-                        </a:lnR>
-                        <a:lnT w="9525" cap="flat" cmpd="sng" algn="ctr">
-                          <a:solidFill>
-                            <a:schemeClr val="tx1"/>
-                          </a:solidFill>
-                          <a:prstDash val="sysDot"/>
-                          <a:round/>
-                          <a:headEnd type="none" w="med" len="med"/>
-                          <a:tailEnd type="none" w="med" len="med"/>
-                        </a:lnT>
-                        <a:lnB w="12700" cap="flat" cmpd="sng" algn="ctr">
-                          <a:noFill/>
-                          <a:prstDash val="solid"/>
-                          <a:round/>
-                          <a:headEnd type="none" w="med" len="med"/>
-                          <a:tailEnd type="none" w="med" len="med"/>
-                        </a:lnB>
-                        <a:solidFill>
-                          <a:schemeClr val="bg1"/>
-                        </a:solidFill>
-                      </a:tcPr>
-                    </a:tc>
-                    <a:extLst>
-                      <a:ext uri="{0D108BD9-81ED-4DB2-BD59-A6C34878D82A}">
-                        <a16:rowId xmlns:a16="http://schemas.microsoft.com/office/drawing/2014/main" val="4212267831"/>
-                      </a:ext>
-                    </a:extLst>
-                  </a:tr>
-                  <a:tr h="143849">
-                    <a:tc>
-                      <a:txBody>
-                        <a:bodyPr/>
-                        <a:lstStyle/>
-                        <a:p>
-                          <a:pPr algn="ctr"/>
-                          <a:r>
-                            <a:rPr kumimoji="1" lang="en-US" altLang="ja-JP" sz="900" dirty="0">
-                              <a:latin typeface="Cambria Math" panose="02040503050406030204" pitchFamily="18" charset="0"/>
-                            </a:rPr>
-                            <a:t>Payload1:A</a:t>
-                          </a:r>
-                          <a:endParaRPr kumimoji="1" lang="ja-JP" altLang="en-US" sz="900" dirty="0">
-                            <a:latin typeface="Cambria Math" panose="02040503050406030204" pitchFamily="18" charset="0"/>
-                          </a:endParaRPr>
-                        </a:p>
-                      </a:txBody>
-                      <a:tcPr marL="18226" marR="18226" marT="9113" marB="9113" anchor="ctr">
-                        <a:lnL w="12700" cap="flat" cmpd="sng" algn="ctr">
-                          <a:solidFill>
-                            <a:schemeClr val="tx1"/>
-                          </a:solidFill>
-                          <a:prstDash val="solid"/>
-                          <a:round/>
-                          <a:headEnd type="none" w="med" len="med"/>
-                          <a:tailEnd type="none" w="med" len="med"/>
-                        </a:lnL>
-                        <a:lnR w="12700" cap="flat" cmpd="sng" algn="ctr">
-                          <a:solidFill>
-                            <a:schemeClr val="tx1"/>
-                          </a:solidFill>
-                          <a:prstDash val="solid"/>
-                          <a:round/>
-                          <a:headEnd type="none" w="med" len="med"/>
-                          <a:tailEnd type="none" w="med" len="med"/>
-                        </a:lnR>
-                        <a:lnT w="12700" cap="flat" cmpd="sng" algn="ctr">
-                          <a:noFill/>
-                          <a:prstDash val="solid"/>
-                          <a:round/>
-                          <a:headEnd type="none" w="med" len="med"/>
-                          <a:tailEnd type="none" w="med" len="med"/>
-                        </a:lnT>
-                        <a:lnB w="9525" cap="flat" cmpd="sng" algn="ctr">
-                          <a:solidFill>
-                            <a:schemeClr val="tx1"/>
-                          </a:solidFill>
-                          <a:prstDash val="solid"/>
-                          <a:round/>
-                          <a:headEnd type="none" w="med" len="med"/>
-                          <a:tailEnd type="none" w="med" len="med"/>
-                        </a:lnB>
-                        <a:solidFill>
-                          <a:schemeClr val="bg1"/>
-                        </a:solidFill>
-                      </a:tcPr>
-                    </a:tc>
-                    <a:extLst>
-                      <a:ext uri="{0D108BD9-81ED-4DB2-BD59-A6C34878D82A}">
-                        <a16:rowId xmlns:a16="http://schemas.microsoft.com/office/drawing/2014/main" val="77431627"/>
-                      </a:ext>
-                    </a:extLst>
-                  </a:tr>
-                  <a:tr h="143849">
-                    <a:tc>
-                      <a:txBody>
-                        <a:bodyPr/>
-                        <a:lstStyle/>
-                        <a:p>
-                          <a:pPr marL="0" marR="0" lvl="0" indent="0" algn="ctr" defTabSz="191934" rtl="0" eaLnBrk="1" fontAlgn="auto" latinLnBrk="0" hangingPunct="1">
-                            <a:lnSpc>
-                              <a:spcPct val="100000"/>
-                            </a:lnSpc>
-                            <a:spcBef>
-                              <a:spcPts val="0"/>
-                            </a:spcBef>
-                            <a:spcAft>
-                              <a:spcPts val="0"/>
-                            </a:spcAft>
-                            <a:buClrTx/>
-                            <a:buSzTx/>
-                            <a:buFontTx/>
-                            <a:buNone/>
-                            <a:tabLst/>
-                            <a:defRPr/>
-                          </a:pPr>
-                          <a14:m>
-                            <m:oMath xmlns:m="http://schemas.openxmlformats.org/officeDocument/2006/math">
-                              <m:r>
-                                <m:rPr>
-                                  <m:sty m:val="p"/>
-                                </m:rPr>
-                                <a:rPr kumimoji="1" lang="en-US" altLang="ja-JP" sz="900" b="0" i="0" smtClean="0">
-                                  <a:solidFill>
-                                    <a:schemeClr val="tx1"/>
-                                  </a:solidFill>
-                                  <a:latin typeface="Cambria Math" panose="02040503050406030204" pitchFamily="18" charset="0"/>
-                                </a:rPr>
-                                <m:t>Δ</m:t>
-                              </m:r>
-                            </m:oMath>
-                          </a14:m>
-                          <a:r>
-                            <a:rPr kumimoji="1" lang="ja-JP" altLang="en-US" sz="900" dirty="0">
-                              <a:latin typeface="Cambria Math" panose="02040503050406030204" pitchFamily="18" charset="0"/>
-                            </a:rPr>
-                            <a:t> </a:t>
-                          </a:r>
-                          <a:r>
-                            <a:rPr kumimoji="1" lang="en-US" altLang="ja-JP" sz="900" dirty="0">
-                              <a:latin typeface="Cambria Math" panose="02040503050406030204" pitchFamily="18" charset="0"/>
-                            </a:rPr>
-                            <a:t>space</a:t>
-                          </a:r>
-                          <a:endParaRPr kumimoji="1" lang="ja-JP" altLang="en-US" sz="900" dirty="0">
-                            <a:solidFill>
-                              <a:schemeClr val="accent1"/>
-                            </a:solidFill>
-                            <a:latin typeface="Cambria Math" panose="02040503050406030204" pitchFamily="18" charset="0"/>
-                          </a:endParaRPr>
-                        </a:p>
-                      </a:txBody>
-                      <a:tcPr marL="18226" marR="18226" marT="9113" marB="9113" anchor="ctr">
-                        <a:lnL w="12700" cap="flat" cmpd="sng" algn="ctr">
-                          <a:solidFill>
-                            <a:schemeClr val="tx1"/>
-                          </a:solidFill>
-                          <a:prstDash val="solid"/>
-                          <a:round/>
-                          <a:headEnd type="none" w="med" len="med"/>
-                          <a:tailEnd type="none" w="med" len="med"/>
-                        </a:lnL>
-                        <a:lnR w="12700" cap="flat" cmpd="sng" algn="ctr">
-                          <a:solidFill>
-                            <a:schemeClr val="tx1"/>
-                          </a:solidFill>
-                          <a:prstDash val="solid"/>
-                          <a:round/>
-                          <a:headEnd type="none" w="med" len="med"/>
-                          <a:tailEnd type="none" w="med" len="med"/>
-                        </a:lnR>
-                        <a:lnT w="9525" cap="flat" cmpd="sng" algn="ctr">
-                          <a:solidFill>
-                            <a:schemeClr val="tx1"/>
-                          </a:solidFill>
-                          <a:prstDash val="solid"/>
-                          <a:round/>
-                          <a:headEnd type="none" w="med" len="med"/>
-                          <a:tailEnd type="none" w="med" len="med"/>
-                        </a:lnT>
-                        <a:lnB w="12700" cap="flat" cmpd="sng" algn="ctr">
-                          <a:solidFill>
-                            <a:schemeClr val="tx1"/>
-                          </a:solidFill>
-                          <a:prstDash val="solid"/>
-                          <a:round/>
-                          <a:headEnd type="none" w="med" len="med"/>
-                          <a:tailEnd type="none" w="med" len="med"/>
-                        </a:lnB>
-                        <a:solidFill>
-                          <a:schemeClr val="bg1"/>
-                        </a:solidFill>
-                      </a:tcPr>
-                    </a:tc>
-                    <a:extLst>
-                      <a:ext uri="{0D108BD9-81ED-4DB2-BD59-A6C34878D82A}">
-                        <a16:rowId xmlns:a16="http://schemas.microsoft.com/office/drawing/2014/main" val="380398867"/>
-                      </a:ext>
-                    </a:extLst>
-                  </a:tr>
-                </a:tbl>
-              </a:graphicData>
-            </a:graphic>
-          </p:graphicFrame>
-        </mc:Choice>
-        <mc:Fallback>
-          <p:graphicFrame>
-            <p:nvGraphicFramePr>
-              <p:cNvPr id="156" name="表 49">
+              </a:tr>
+            </a:tbl>
+          </a:graphicData>
+        </a:graphic>
+      </p:graphicFrame>
+      <p:graphicFrame>
+        <p:nvGraphicFramePr>
+          <p:cNvPr id="155" name="表 49">
+            <a:extLst>
+              <a:ext uri="{FF2B5EF4-FFF2-40B4-BE49-F238E27FC236}">
+                <a16:creationId xmlns:a16="http://schemas.microsoft.com/office/drawing/2014/main" id="{693E5D64-78F2-6C13-095F-BC6DE9B320C6}"/>
+              </a:ext>
+            </a:extLst>
+          </p:cNvPr>
+          <p:cNvGraphicFramePr>
+            <a:graphicFrameLocks noGrp="1"/>
+          </p:cNvGraphicFramePr>
+          <p:nvPr>
+            <p:extLst>
+              <p:ext uri="{D42A27DB-BD31-4B8C-83A1-F6EECF244321}">
+                <p14:modId xmlns:p14="http://schemas.microsoft.com/office/powerpoint/2010/main" val="1706777653"/>
+              </p:ext>
+            </p:extLst>
+          </p:nvPr>
+        </p:nvGraphicFramePr>
+        <p:xfrm>
+          <a:off x="1150261" y="394481"/>
+          <a:ext cx="633054" cy="914090"/>
+        </p:xfrm>
+        <a:graphic>
+          <a:graphicData uri="http://schemas.openxmlformats.org/drawingml/2006/table">
+            <a:tbl>
+              <a:tblPr firstRow="1" bandRow="1">
+                <a:tableStyleId>{2D5ABB26-0587-4C30-8999-92F81FD0307C}</a:tableStyleId>
+              </a:tblPr>
+              <a:tblGrid>
+                <a:gridCol w="633054">
+                  <a:extLst>
+                    <a:ext uri="{9D8B030D-6E8A-4147-A177-3AD203B41FA5}">
+                      <a16:colId xmlns:a16="http://schemas.microsoft.com/office/drawing/2014/main" val="1391329631"/>
+                    </a:ext>
+                  </a:extLst>
+                </a:gridCol>
+              </a:tblGrid>
+              <a:tr h="143849">
+                <a:tc>
+                  <a:txBody>
+                    <a:bodyPr/>
+                    <a:lstStyle/>
+                    <a:p>
+                      <a:pPr algn="ctr"/>
+                      <a:r>
+                        <a:rPr kumimoji="1" lang="en-US" altLang="ja-JP" sz="900" dirty="0">
+                          <a:latin typeface="Cambria Math" panose="02040503050406030204" pitchFamily="18" charset="0"/>
+                        </a:rPr>
+                        <a:t>Header</a:t>
+                      </a:r>
+                      <a:endParaRPr kumimoji="1" lang="ja-JP" altLang="en-US" sz="900" dirty="0">
+                        <a:latin typeface="Cambria Math" panose="02040503050406030204" pitchFamily="18" charset="0"/>
+                      </a:endParaRPr>
+                    </a:p>
+                  </a:txBody>
+                  <a:tcPr marL="18226" marR="18226" marT="9113" marB="9113" anchor="ctr">
+                    <a:lnL w="12700" cap="flat" cmpd="sng" algn="ctr">
+                      <a:solidFill>
+                        <a:schemeClr val="tx1"/>
+                      </a:solidFill>
+                      <a:prstDash val="solid"/>
+                      <a:round/>
+                      <a:headEnd type="none" w="med" len="med"/>
+                      <a:tailEnd type="none" w="med" len="med"/>
+                    </a:lnL>
+                    <a:lnR w="12700" cap="flat" cmpd="sng" algn="ctr">
+                      <a:solidFill>
+                        <a:schemeClr val="tx1"/>
+                      </a:solidFill>
+                      <a:prstDash val="solid"/>
+                      <a:round/>
+                      <a:headEnd type="none" w="med" len="med"/>
+                      <a:tailEnd type="none" w="med" len="med"/>
+                    </a:lnR>
+                    <a:lnT w="12700" cap="flat" cmpd="sng" algn="ctr">
+                      <a:solidFill>
+                        <a:schemeClr val="tx1"/>
+                      </a:solidFill>
+                      <a:prstDash val="solid"/>
+                      <a:round/>
+                      <a:headEnd type="none" w="med" len="med"/>
+                      <a:tailEnd type="none" w="med" len="med"/>
+                    </a:lnT>
+                    <a:lnB w="9525" cap="flat" cmpd="sng" algn="ctr">
+                      <a:solidFill>
+                        <a:schemeClr val="tx1"/>
+                      </a:solidFill>
+                      <a:prstDash val="solid"/>
+                      <a:round/>
+                      <a:headEnd type="none" w="med" len="med"/>
+                      <a:tailEnd type="none" w="med" len="med"/>
+                    </a:lnB>
+                    <a:solidFill>
+                      <a:schemeClr val="bg1"/>
+                    </a:solidFill>
+                  </a:tcPr>
+                </a:tc>
                 <a:extLst>
-                  <a:ext uri="{FF2B5EF4-FFF2-40B4-BE49-F238E27FC236}">
-                    <a16:creationId xmlns:a16="http://schemas.microsoft.com/office/drawing/2014/main" id="{94C9A7F6-7643-A64C-1455-679308EF287C}"/>
+                  <a:ext uri="{0D108BD9-81ED-4DB2-BD59-A6C34878D82A}">
+                    <a16:rowId xmlns:a16="http://schemas.microsoft.com/office/drawing/2014/main" val="3783925622"/>
                   </a:ext>
                 </a:extLst>
-              </p:cNvPr>
-              <p:cNvGraphicFramePr>
-                <a:graphicFrameLocks noGrp="1"/>
-              </p:cNvGraphicFramePr>
-              <p:nvPr>
-                <p:extLst>
-                  <p:ext uri="{D42A27DB-BD31-4B8C-83A1-F6EECF244321}">
-                    <p14:modId xmlns:p14="http://schemas.microsoft.com/office/powerpoint/2010/main" val="439470088"/>
-                  </p:ext>
-                </p:extLst>
-              </p:nvPr>
-            </p:nvGraphicFramePr>
-            <p:xfrm>
-              <a:off x="2071717" y="238692"/>
-              <a:ext cx="662373" cy="1069476"/>
-            </p:xfrm>
-            <a:graphic>
-              <a:graphicData uri="http://schemas.openxmlformats.org/drawingml/2006/table">
-                <a:tbl>
-                  <a:tblPr firstRow="1" bandRow="1">
-                    <a:tableStyleId>{2D5ABB26-0587-4C30-8999-92F81FD0307C}</a:tableStyleId>
-                  </a:tblPr>
-                  <a:tblGrid>
-                    <a:gridCol w="662373">
-                      <a:extLst>
-                        <a:ext uri="{9D8B030D-6E8A-4147-A177-3AD203B41FA5}">
-                          <a16:colId xmlns:a16="http://schemas.microsoft.com/office/drawing/2014/main" val="1391329631"/>
-                        </a:ext>
-                      </a:extLst>
-                    </a:gridCol>
-                  </a:tblGrid>
-                  <a:tr h="155386">
-                    <a:tc>
-                      <a:txBody>
-                        <a:bodyPr/>
-                        <a:lstStyle/>
-                        <a:p>
-                          <a:pPr algn="ctr"/>
-                          <a:r>
-                            <a:rPr kumimoji="1" lang="en-US" altLang="ja-JP" sz="900" dirty="0">
-                              <a:latin typeface="Cambria Math" panose="02040503050406030204" pitchFamily="18" charset="0"/>
-                            </a:rPr>
-                            <a:t>Header</a:t>
-                          </a:r>
-                          <a:endParaRPr kumimoji="1" lang="ja-JP" altLang="en-US" sz="900" dirty="0">
-                            <a:latin typeface="Cambria Math" panose="02040503050406030204" pitchFamily="18" charset="0"/>
-                          </a:endParaRPr>
-                        </a:p>
-                      </a:txBody>
-                      <a:tcPr marL="18226" marR="18226" marT="9113" marB="9113" anchor="ctr">
-                        <a:lnL w="12700" cap="flat" cmpd="sng" algn="ctr">
-                          <a:solidFill>
-                            <a:schemeClr val="tx1"/>
-                          </a:solidFill>
-                          <a:prstDash val="solid"/>
-                          <a:round/>
-                          <a:headEnd type="none" w="med" len="med"/>
-                          <a:tailEnd type="none" w="med" len="med"/>
-                        </a:lnL>
-                        <a:lnR w="12700" cap="flat" cmpd="sng" algn="ctr">
-                          <a:solidFill>
-                            <a:schemeClr val="tx1"/>
-                          </a:solidFill>
-                          <a:prstDash val="solid"/>
-                          <a:round/>
-                          <a:headEnd type="none" w="med" len="med"/>
-                          <a:tailEnd type="none" w="med" len="med"/>
-                        </a:lnR>
-                        <a:lnT w="12700" cap="flat" cmpd="sng" algn="ctr">
-                          <a:solidFill>
-                            <a:schemeClr val="tx1"/>
-                          </a:solidFill>
-                          <a:prstDash val="solid"/>
-                          <a:round/>
-                          <a:headEnd type="none" w="med" len="med"/>
-                          <a:tailEnd type="none" w="med" len="med"/>
-                        </a:lnT>
-                        <a:lnB w="9525" cap="flat" cmpd="sng" algn="ctr">
-                          <a:solidFill>
-                            <a:schemeClr val="tx1"/>
-                          </a:solidFill>
-                          <a:prstDash val="solid"/>
-                          <a:round/>
-                          <a:headEnd type="none" w="med" len="med"/>
-                          <a:tailEnd type="none" w="med" len="med"/>
-                        </a:lnB>
-                        <a:solidFill>
-                          <a:schemeClr val="bg1"/>
-                        </a:solidFill>
-                      </a:tcPr>
-                    </a:tc>
-                    <a:extLst>
-                      <a:ext uri="{0D108BD9-81ED-4DB2-BD59-A6C34878D82A}">
-                        <a16:rowId xmlns:a16="http://schemas.microsoft.com/office/drawing/2014/main" val="3783925622"/>
-                      </a:ext>
-                    </a:extLst>
-                  </a:tr>
-                  <a:tr h="292546">
-                    <a:tc>
-                      <a:txBody>
-                        <a:bodyPr/>
-                        <a:lstStyle/>
-                        <a:p>
-                          <a:pPr algn="ctr"/>
-                          <a:r>
-                            <a:rPr kumimoji="1" lang="en-US" altLang="ja-JP" sz="900" dirty="0">
-                              <a:latin typeface="Cambria Math" panose="02040503050406030204" pitchFamily="18" charset="0"/>
-                              <a:ea typeface="Cambria Math" panose="02040503050406030204" pitchFamily="18" charset="0"/>
-                            </a:rPr>
-                            <a:t>Key1:“com”</a:t>
-                          </a:r>
-                        </a:p>
-                        <a:p>
-                          <a:pPr algn="ctr"/>
-                          <a:r>
-                            <a:rPr kumimoji="1" lang="en-US" altLang="ja-JP" sz="900" dirty="0">
-                              <a:latin typeface="Cambria Math" panose="02040503050406030204" pitchFamily="18" charset="0"/>
-                              <a:ea typeface="Cambria Math" panose="02040503050406030204" pitchFamily="18" charset="0"/>
-                            </a:rPr>
-                            <a:t>Key2:“org”</a:t>
-                          </a:r>
-                        </a:p>
-                      </a:txBody>
-                      <a:tcPr marL="18226" marR="18226" marT="9113" marB="9113" anchor="ctr">
-                        <a:lnL w="12700" cap="flat" cmpd="sng" algn="ctr">
-                          <a:solidFill>
-                            <a:schemeClr val="tx1"/>
-                          </a:solidFill>
-                          <a:prstDash val="solid"/>
-                          <a:round/>
-                          <a:headEnd type="none" w="med" len="med"/>
-                          <a:tailEnd type="none" w="med" len="med"/>
-                        </a:lnL>
-                        <a:lnR w="12700" cap="flat" cmpd="sng" algn="ctr">
-                          <a:solidFill>
-                            <a:schemeClr val="tx1"/>
-                          </a:solidFill>
-                          <a:prstDash val="solid"/>
-                          <a:round/>
-                          <a:headEnd type="none" w="med" len="med"/>
-                          <a:tailEnd type="none" w="med" len="med"/>
-                        </a:lnR>
-                        <a:lnT w="9525" cap="flat" cmpd="sng" algn="ctr">
-                          <a:solidFill>
-                            <a:schemeClr val="tx1"/>
-                          </a:solidFill>
-                          <a:prstDash val="solid"/>
-                          <a:round/>
-                          <a:headEnd type="none" w="med" len="med"/>
-                          <a:tailEnd type="none" w="med" len="med"/>
-                        </a:lnT>
-                        <a:solidFill>
-                          <a:schemeClr val="bg1"/>
-                        </a:solidFill>
-                      </a:tcPr>
-                    </a:tc>
-                    <a:extLst>
-                      <a:ext uri="{0D108BD9-81ED-4DB2-BD59-A6C34878D82A}">
-                        <a16:rowId xmlns:a16="http://schemas.microsoft.com/office/drawing/2014/main" val="2244812955"/>
-                      </a:ext>
-                    </a:extLst>
-                  </a:tr>
-                  <a:tr h="155386">
-                    <a:tc>
-                      <a:txBody>
-                        <a:bodyPr/>
-                        <a:lstStyle/>
-                        <a:p>
-                          <a:pPr algn="ctr"/>
-                          <a:endParaRPr kumimoji="1" lang="ja-JP" altLang="en-US" sz="900" dirty="0">
-                            <a:latin typeface="Cambria Math" panose="02040503050406030204" pitchFamily="18" charset="0"/>
-                          </a:endParaRPr>
-                        </a:p>
-                      </a:txBody>
-                      <a:tcPr marL="18226" marR="18226" marT="9113" marB="9113" anchor="ctr">
-                        <a:lnL w="12700" cap="flat" cmpd="sng" algn="ctr">
-                          <a:solidFill>
-                            <a:schemeClr val="tx1"/>
-                          </a:solidFill>
-                          <a:prstDash val="solid"/>
-                          <a:round/>
-                          <a:headEnd type="none" w="med" len="med"/>
-                          <a:tailEnd type="none" w="med" len="med"/>
-                        </a:lnL>
-                        <a:lnR w="12700" cap="flat" cmpd="sng" algn="ctr">
-                          <a:solidFill>
-                            <a:schemeClr val="tx1"/>
-                          </a:solidFill>
-                          <a:prstDash val="solid"/>
-                          <a:round/>
-                          <a:headEnd type="none" w="med" len="med"/>
-                          <a:tailEnd type="none" w="med" len="med"/>
-                        </a:lnR>
-                        <a:lnB w="9525" cap="flat" cmpd="sng" algn="ctr">
-                          <a:solidFill>
-                            <a:schemeClr val="tx1"/>
-                          </a:solidFill>
-                          <a:prstDash val="sysDot"/>
-                          <a:round/>
-                          <a:headEnd type="none" w="med" len="med"/>
-                          <a:tailEnd type="none" w="med" len="med"/>
-                        </a:lnB>
-                        <a:solidFill>
-                          <a:schemeClr val="bg1"/>
-                        </a:solidFill>
-                      </a:tcPr>
-                    </a:tc>
-                    <a:extLst>
-                      <a:ext uri="{0D108BD9-81ED-4DB2-BD59-A6C34878D82A}">
-                        <a16:rowId xmlns:a16="http://schemas.microsoft.com/office/drawing/2014/main" val="1930659369"/>
-                      </a:ext>
-                    </a:extLst>
-                  </a:tr>
-                  <a:tr h="155386">
-                    <a:tc>
-                      <a:txBody>
-                        <a:bodyPr/>
-                        <a:lstStyle/>
-                        <a:p>
-                          <a:pPr algn="ctr"/>
-                          <a:r>
-                            <a:rPr kumimoji="1" lang="en-US" altLang="ja-JP" sz="900" dirty="0">
-                              <a:latin typeface="Cambria Math" panose="02040503050406030204" pitchFamily="18" charset="0"/>
-                            </a:rPr>
-                            <a:t>Payload2:B</a:t>
-                          </a:r>
-                          <a:endParaRPr kumimoji="1" lang="ja-JP" altLang="en-US" sz="900" dirty="0">
-                            <a:latin typeface="Cambria Math" panose="02040503050406030204" pitchFamily="18" charset="0"/>
-                          </a:endParaRPr>
-                        </a:p>
-                      </a:txBody>
-                      <a:tcPr marL="18226" marR="18226" marT="9113" marB="9113" anchor="ctr">
-                        <a:lnL w="12700" cap="flat" cmpd="sng" algn="ctr">
-                          <a:solidFill>
-                            <a:schemeClr val="tx1"/>
-                          </a:solidFill>
-                          <a:prstDash val="solid"/>
-                          <a:round/>
-                          <a:headEnd type="none" w="med" len="med"/>
-                          <a:tailEnd type="none" w="med" len="med"/>
-                        </a:lnL>
-                        <a:lnR w="12700" cap="flat" cmpd="sng" algn="ctr">
-                          <a:solidFill>
-                            <a:schemeClr val="tx1"/>
-                          </a:solidFill>
-                          <a:prstDash val="solid"/>
-                          <a:round/>
-                          <a:headEnd type="none" w="med" len="med"/>
-                          <a:tailEnd type="none" w="med" len="med"/>
-                        </a:lnR>
-                        <a:lnT w="9525" cap="flat" cmpd="sng" algn="ctr">
-                          <a:solidFill>
-                            <a:schemeClr val="tx1"/>
-                          </a:solidFill>
-                          <a:prstDash val="sysDot"/>
-                          <a:round/>
-                          <a:headEnd type="none" w="med" len="med"/>
-                          <a:tailEnd type="none" w="med" len="med"/>
-                        </a:lnT>
-                        <a:lnB w="12700" cap="flat" cmpd="sng" algn="ctr">
-                          <a:noFill/>
-                          <a:prstDash val="solid"/>
-                          <a:round/>
-                          <a:headEnd type="none" w="med" len="med"/>
-                          <a:tailEnd type="none" w="med" len="med"/>
-                        </a:lnB>
-                        <a:solidFill>
-                          <a:schemeClr val="bg1"/>
-                        </a:solidFill>
-                      </a:tcPr>
-                    </a:tc>
-                    <a:extLst>
-                      <a:ext uri="{0D108BD9-81ED-4DB2-BD59-A6C34878D82A}">
-                        <a16:rowId xmlns:a16="http://schemas.microsoft.com/office/drawing/2014/main" val="4212267831"/>
-                      </a:ext>
-                    </a:extLst>
-                  </a:tr>
-                  <a:tr h="155386">
-                    <a:tc>
-                      <a:txBody>
-                        <a:bodyPr/>
-                        <a:lstStyle/>
-                        <a:p>
-                          <a:pPr algn="ctr"/>
-                          <a:r>
-                            <a:rPr kumimoji="1" lang="en-US" altLang="ja-JP" sz="900" dirty="0">
-                              <a:latin typeface="Cambria Math" panose="02040503050406030204" pitchFamily="18" charset="0"/>
-                            </a:rPr>
-                            <a:t>Payload1:A</a:t>
-                          </a:r>
-                          <a:endParaRPr kumimoji="1" lang="ja-JP" altLang="en-US" sz="900" dirty="0">
-                            <a:latin typeface="Cambria Math" panose="02040503050406030204" pitchFamily="18" charset="0"/>
-                          </a:endParaRPr>
-                        </a:p>
-                      </a:txBody>
-                      <a:tcPr marL="18226" marR="18226" marT="9113" marB="9113" anchor="ctr">
-                        <a:lnL w="12700" cap="flat" cmpd="sng" algn="ctr">
-                          <a:solidFill>
-                            <a:schemeClr val="tx1"/>
-                          </a:solidFill>
-                          <a:prstDash val="solid"/>
-                          <a:round/>
-                          <a:headEnd type="none" w="med" len="med"/>
-                          <a:tailEnd type="none" w="med" len="med"/>
-                        </a:lnL>
-                        <a:lnR w="12700" cap="flat" cmpd="sng" algn="ctr">
-                          <a:solidFill>
-                            <a:schemeClr val="tx1"/>
-                          </a:solidFill>
-                          <a:prstDash val="solid"/>
-                          <a:round/>
-                          <a:headEnd type="none" w="med" len="med"/>
-                          <a:tailEnd type="none" w="med" len="med"/>
-                        </a:lnR>
-                        <a:lnT w="12700" cap="flat" cmpd="sng" algn="ctr">
-                          <a:noFill/>
-                          <a:prstDash val="solid"/>
-                          <a:round/>
-                          <a:headEnd type="none" w="med" len="med"/>
-                          <a:tailEnd type="none" w="med" len="med"/>
-                        </a:lnT>
-                        <a:lnB w="9525" cap="flat" cmpd="sng" algn="ctr">
-                          <a:solidFill>
-                            <a:schemeClr val="tx1"/>
-                          </a:solidFill>
-                          <a:prstDash val="solid"/>
-                          <a:round/>
-                          <a:headEnd type="none" w="med" len="med"/>
-                          <a:tailEnd type="none" w="med" len="med"/>
-                        </a:lnB>
-                        <a:solidFill>
-                          <a:schemeClr val="bg1"/>
-                        </a:solidFill>
-                      </a:tcPr>
-                    </a:tc>
-                    <a:extLst>
-                      <a:ext uri="{0D108BD9-81ED-4DB2-BD59-A6C34878D82A}">
-                        <a16:rowId xmlns:a16="http://schemas.microsoft.com/office/drawing/2014/main" val="77431627"/>
-                      </a:ext>
-                    </a:extLst>
-                  </a:tr>
-                  <a:tr h="155386">
-                    <a:tc>
-                      <a:txBody>
-                        <a:bodyPr/>
-                        <a:lstStyle/>
-                        <a:p>
-                          <a:endParaRPr lang="ja-JP"/>
-                        </a:p>
-                      </a:txBody>
-                      <a:tcPr marL="18226" marR="18226" marT="9113" marB="9113" anchor="ctr">
-                        <a:lnL w="12700" cap="flat" cmpd="sng" algn="ctr">
-                          <a:solidFill>
-                            <a:schemeClr val="tx1"/>
-                          </a:solidFill>
-                          <a:prstDash val="solid"/>
-                          <a:round/>
-                          <a:headEnd type="none" w="med" len="med"/>
-                          <a:tailEnd type="none" w="med" len="med"/>
-                        </a:lnL>
-                        <a:lnR w="12700" cap="flat" cmpd="sng" algn="ctr">
-                          <a:solidFill>
-                            <a:schemeClr val="tx1"/>
-                          </a:solidFill>
-                          <a:prstDash val="solid"/>
-                          <a:round/>
-                          <a:headEnd type="none" w="med" len="med"/>
-                          <a:tailEnd type="none" w="med" len="med"/>
-                        </a:lnR>
-                        <a:lnT w="9525" cap="flat" cmpd="sng" algn="ctr">
-                          <a:solidFill>
-                            <a:schemeClr val="tx1"/>
-                          </a:solidFill>
-                          <a:prstDash val="solid"/>
-                          <a:round/>
-                          <a:headEnd type="none" w="med" len="med"/>
-                          <a:tailEnd type="none" w="med" len="med"/>
-                        </a:lnT>
-                        <a:lnB w="12700" cap="flat" cmpd="sng" algn="ctr">
-                          <a:solidFill>
-                            <a:schemeClr val="tx1"/>
-                          </a:solidFill>
-                          <a:prstDash val="solid"/>
-                          <a:round/>
-                          <a:headEnd type="none" w="med" len="med"/>
-                          <a:tailEnd type="none" w="med" len="med"/>
-                        </a:lnB>
-                        <a:blipFill>
-                          <a:blip r:embed="rId5"/>
-                          <a:stretch>
-                            <a:fillRect l="-909" t="-600000" r="-1818" b="-38462"/>
-                          </a:stretch>
-                        </a:blipFill>
-                      </a:tcPr>
-                    </a:tc>
-                    <a:extLst>
-                      <a:ext uri="{0D108BD9-81ED-4DB2-BD59-A6C34878D82A}">
-                        <a16:rowId xmlns:a16="http://schemas.microsoft.com/office/drawing/2014/main" val="380398867"/>
-                      </a:ext>
-                    </a:extLst>
-                  </a:tr>
-                </a:tbl>
-              </a:graphicData>
-            </a:graphic>
-          </p:graphicFrame>
-        </mc:Fallback>
-      </mc:AlternateContent>
+              </a:tr>
+              <a:tr h="266707">
+                <a:tc>
+                  <a:txBody>
+                    <a:bodyPr/>
+                    <a:lstStyle/>
+                    <a:p>
+                      <a:pPr algn="ctr"/>
+                      <a:r>
+                        <a:rPr kumimoji="1" lang="en-US" altLang="ja-JP" sz="900" dirty="0">
+                          <a:latin typeface="Cambria Math" panose="02040503050406030204" pitchFamily="18" charset="0"/>
+                          <a:ea typeface="Cambria Math" panose="02040503050406030204" pitchFamily="18" charset="0"/>
+                        </a:rPr>
+                        <a:t>Key1:</a:t>
+                      </a:r>
+                    </a:p>
+                    <a:p>
+                      <a:pPr algn="ctr"/>
+                      <a:r>
+                        <a:rPr kumimoji="1" lang="en-US" altLang="ja-JP" sz="900" dirty="0">
+                          <a:latin typeface="Cambria Math" panose="02040503050406030204" pitchFamily="18" charset="0"/>
+                          <a:ea typeface="Cambria Math" panose="02040503050406030204" pitchFamily="18" charset="0"/>
+                        </a:rPr>
+                        <a:t>“example.”</a:t>
+                      </a:r>
+                    </a:p>
+                  </a:txBody>
+                  <a:tcPr marL="18226" marR="18226" marT="9113" marB="9113" anchor="ctr">
+                    <a:lnL w="12700" cap="flat" cmpd="sng" algn="ctr">
+                      <a:solidFill>
+                        <a:schemeClr val="tx1"/>
+                      </a:solidFill>
+                      <a:prstDash val="solid"/>
+                      <a:round/>
+                      <a:headEnd type="none" w="med" len="med"/>
+                      <a:tailEnd type="none" w="med" len="med"/>
+                    </a:lnL>
+                    <a:lnR w="12700" cap="flat" cmpd="sng" algn="ctr">
+                      <a:solidFill>
+                        <a:schemeClr val="tx1"/>
+                      </a:solidFill>
+                      <a:prstDash val="solid"/>
+                      <a:round/>
+                      <a:headEnd type="none" w="med" len="med"/>
+                      <a:tailEnd type="none" w="med" len="med"/>
+                    </a:lnR>
+                    <a:lnT w="9525" cap="flat" cmpd="sng" algn="ctr">
+                      <a:solidFill>
+                        <a:schemeClr val="tx1"/>
+                      </a:solidFill>
+                      <a:prstDash val="solid"/>
+                      <a:round/>
+                      <a:headEnd type="none" w="med" len="med"/>
+                      <a:tailEnd type="none" w="med" len="med"/>
+                    </a:lnT>
+                    <a:solidFill>
+                      <a:schemeClr val="bg1"/>
+                    </a:solidFill>
+                  </a:tcPr>
+                </a:tc>
+                <a:extLst>
+                  <a:ext uri="{0D108BD9-81ED-4DB2-BD59-A6C34878D82A}">
+                    <a16:rowId xmlns:a16="http://schemas.microsoft.com/office/drawing/2014/main" val="2244812955"/>
+                  </a:ext>
+                </a:extLst>
+              </a:tr>
+              <a:tr h="143849">
+                <a:tc>
+                  <a:txBody>
+                    <a:bodyPr/>
+                    <a:lstStyle/>
+                    <a:p>
+                      <a:pPr algn="ctr"/>
+                      <a:endParaRPr kumimoji="1" lang="ja-JP" altLang="en-US" sz="900" dirty="0">
+                        <a:latin typeface="Cambria Math" panose="02040503050406030204" pitchFamily="18" charset="0"/>
+                      </a:endParaRPr>
+                    </a:p>
+                  </a:txBody>
+                  <a:tcPr marL="18226" marR="18226" marT="9113" marB="9113" anchor="ctr">
+                    <a:lnL w="12700" cap="flat" cmpd="sng" algn="ctr">
+                      <a:solidFill>
+                        <a:schemeClr val="tx1"/>
+                      </a:solidFill>
+                      <a:prstDash val="solid"/>
+                      <a:round/>
+                      <a:headEnd type="none" w="med" len="med"/>
+                      <a:tailEnd type="none" w="med" len="med"/>
+                    </a:lnL>
+                    <a:lnR w="12700" cap="flat" cmpd="sng" algn="ctr">
+                      <a:solidFill>
+                        <a:schemeClr val="tx1"/>
+                      </a:solidFill>
+                      <a:prstDash val="solid"/>
+                      <a:round/>
+                      <a:headEnd type="none" w="med" len="med"/>
+                      <a:tailEnd type="none" w="med" len="med"/>
+                    </a:lnR>
+                    <a:lnB w="9525" cap="flat" cmpd="sng" algn="ctr">
+                      <a:solidFill>
+                        <a:schemeClr val="tx1"/>
+                      </a:solidFill>
+                      <a:prstDash val="sysDot"/>
+                      <a:round/>
+                      <a:headEnd type="none" w="med" len="med"/>
+                      <a:tailEnd type="none" w="med" len="med"/>
+                    </a:lnB>
+                    <a:solidFill>
+                      <a:schemeClr val="bg1"/>
+                    </a:solidFill>
+                  </a:tcPr>
+                </a:tc>
+                <a:extLst>
+                  <a:ext uri="{0D108BD9-81ED-4DB2-BD59-A6C34878D82A}">
+                    <a16:rowId xmlns:a16="http://schemas.microsoft.com/office/drawing/2014/main" val="1930659369"/>
+                  </a:ext>
+                </a:extLst>
+              </a:tr>
+              <a:tr h="143849">
+                <a:tc>
+                  <a:txBody>
+                    <a:bodyPr/>
+                    <a:lstStyle/>
+                    <a:p>
+                      <a:pPr algn="ctr"/>
+                      <a:endParaRPr kumimoji="1" lang="ja-JP" altLang="en-US" sz="900" dirty="0">
+                        <a:latin typeface="Cambria Math" panose="02040503050406030204" pitchFamily="18" charset="0"/>
+                      </a:endParaRPr>
+                    </a:p>
+                  </a:txBody>
+                  <a:tcPr marL="18226" marR="18226" marT="9113" marB="9113" anchor="ctr">
+                    <a:lnL w="12700" cap="flat" cmpd="sng" algn="ctr">
+                      <a:solidFill>
+                        <a:schemeClr val="tx1"/>
+                      </a:solidFill>
+                      <a:prstDash val="solid"/>
+                      <a:round/>
+                      <a:headEnd type="none" w="med" len="med"/>
+                      <a:tailEnd type="none" w="med" len="med"/>
+                    </a:lnL>
+                    <a:lnR w="12700" cap="flat" cmpd="sng" algn="ctr">
+                      <a:solidFill>
+                        <a:schemeClr val="tx1"/>
+                      </a:solidFill>
+                      <a:prstDash val="solid"/>
+                      <a:round/>
+                      <a:headEnd type="none" w="med" len="med"/>
+                      <a:tailEnd type="none" w="med" len="med"/>
+                    </a:lnR>
+                    <a:lnT w="9525" cap="flat" cmpd="sng" algn="ctr">
+                      <a:solidFill>
+                        <a:schemeClr val="tx1"/>
+                      </a:solidFill>
+                      <a:prstDash val="sysDot"/>
+                      <a:round/>
+                      <a:headEnd type="none" w="med" len="med"/>
+                      <a:tailEnd type="none" w="med" len="med"/>
+                    </a:lnT>
+                    <a:lnB w="12700" cap="flat" cmpd="sng" algn="ctr">
+                      <a:noFill/>
+                      <a:prstDash val="solid"/>
+                      <a:round/>
+                      <a:headEnd type="none" w="med" len="med"/>
+                      <a:tailEnd type="none" w="med" len="med"/>
+                    </a:lnB>
+                    <a:solidFill>
+                      <a:schemeClr val="bg1"/>
+                    </a:solidFill>
+                  </a:tcPr>
+                </a:tc>
+                <a:extLst>
+                  <a:ext uri="{0D108BD9-81ED-4DB2-BD59-A6C34878D82A}">
+                    <a16:rowId xmlns:a16="http://schemas.microsoft.com/office/drawing/2014/main" val="4212267831"/>
+                  </a:ext>
+                </a:extLst>
+              </a:tr>
+              <a:tr h="143849">
+                <a:tc>
+                  <a:txBody>
+                    <a:bodyPr/>
+                    <a:lstStyle/>
+                    <a:p>
+                      <a:pPr algn="ctr"/>
+                      <a:r>
+                        <a:rPr kumimoji="1" lang="en-US" altLang="ja-JP" sz="900" dirty="0">
+                          <a:latin typeface="Cambria Math" panose="02040503050406030204" pitchFamily="18" charset="0"/>
+                        </a:rPr>
+                        <a:t>Link1</a:t>
+                      </a:r>
+                      <a:endParaRPr kumimoji="1" lang="ja-JP" altLang="en-US" sz="900" dirty="0">
+                        <a:latin typeface="Cambria Math" panose="02040503050406030204" pitchFamily="18" charset="0"/>
+                      </a:endParaRPr>
+                    </a:p>
+                  </a:txBody>
+                  <a:tcPr marL="18226" marR="18226" marT="9113" marB="9113" anchor="ctr">
+                    <a:lnL w="12700" cap="flat" cmpd="sng" algn="ctr">
+                      <a:solidFill>
+                        <a:schemeClr val="tx1"/>
+                      </a:solidFill>
+                      <a:prstDash val="solid"/>
+                      <a:round/>
+                      <a:headEnd type="none" w="med" len="med"/>
+                      <a:tailEnd type="none" w="med" len="med"/>
+                    </a:lnL>
+                    <a:lnR w="12700" cap="flat" cmpd="sng" algn="ctr">
+                      <a:solidFill>
+                        <a:schemeClr val="tx1"/>
+                      </a:solidFill>
+                      <a:prstDash val="solid"/>
+                      <a:round/>
+                      <a:headEnd type="none" w="med" len="med"/>
+                      <a:tailEnd type="none" w="med" len="med"/>
+                    </a:lnR>
+                    <a:lnT w="12700" cap="flat" cmpd="sng" algn="ctr">
+                      <a:noFill/>
+                      <a:prstDash val="solid"/>
+                      <a:round/>
+                      <a:headEnd type="none" w="med" len="med"/>
+                      <a:tailEnd type="none" w="med" len="med"/>
+                    </a:lnT>
+                    <a:lnB w="9525" cap="flat" cmpd="sng" algn="ctr">
+                      <a:solidFill>
+                        <a:schemeClr val="tx1"/>
+                      </a:solidFill>
+                      <a:prstDash val="solid"/>
+                      <a:round/>
+                      <a:headEnd type="none" w="med" len="med"/>
+                      <a:tailEnd type="none" w="med" len="med"/>
+                    </a:lnB>
+                    <a:solidFill>
+                      <a:schemeClr val="bg1"/>
+                    </a:solidFill>
+                  </a:tcPr>
+                </a:tc>
+                <a:extLst>
+                  <a:ext uri="{0D108BD9-81ED-4DB2-BD59-A6C34878D82A}">
+                    <a16:rowId xmlns:a16="http://schemas.microsoft.com/office/drawing/2014/main" val="77431627"/>
+                  </a:ext>
+                </a:extLst>
+              </a:tr>
+            </a:tbl>
+          </a:graphicData>
+        </a:graphic>
+      </p:graphicFrame>
+      <p:graphicFrame>
+        <p:nvGraphicFramePr>
+          <p:cNvPr id="156" name="表 49">
+            <a:extLst>
+              <a:ext uri="{FF2B5EF4-FFF2-40B4-BE49-F238E27FC236}">
+                <a16:creationId xmlns:a16="http://schemas.microsoft.com/office/drawing/2014/main" id="{94C9A7F6-7643-A64C-1455-679308EF287C}"/>
+              </a:ext>
+            </a:extLst>
+          </p:cNvPr>
+          <p:cNvGraphicFramePr>
+            <a:graphicFrameLocks noGrp="1"/>
+          </p:cNvGraphicFramePr>
+          <p:nvPr>
+            <p:extLst>
+              <p:ext uri="{D42A27DB-BD31-4B8C-83A1-F6EECF244321}">
+                <p14:modId xmlns:p14="http://schemas.microsoft.com/office/powerpoint/2010/main" val="2310573817"/>
+              </p:ext>
+            </p:extLst>
+          </p:nvPr>
+        </p:nvGraphicFramePr>
+        <p:xfrm>
+          <a:off x="2071717" y="394481"/>
+          <a:ext cx="662373" cy="1051250"/>
+        </p:xfrm>
+        <a:graphic>
+          <a:graphicData uri="http://schemas.openxmlformats.org/drawingml/2006/table">
+            <a:tbl>
+              <a:tblPr firstRow="1" bandRow="1">
+                <a:tableStyleId>{2D5ABB26-0587-4C30-8999-92F81FD0307C}</a:tableStyleId>
+              </a:tblPr>
+              <a:tblGrid>
+                <a:gridCol w="662373">
+                  <a:extLst>
+                    <a:ext uri="{9D8B030D-6E8A-4147-A177-3AD203B41FA5}">
+                      <a16:colId xmlns:a16="http://schemas.microsoft.com/office/drawing/2014/main" val="1391329631"/>
+                    </a:ext>
+                  </a:extLst>
+                </a:gridCol>
+              </a:tblGrid>
+              <a:tr h="143849">
+                <a:tc>
+                  <a:txBody>
+                    <a:bodyPr/>
+                    <a:lstStyle/>
+                    <a:p>
+                      <a:pPr algn="ctr"/>
+                      <a:r>
+                        <a:rPr kumimoji="1" lang="en-US" altLang="ja-JP" sz="900" dirty="0">
+                          <a:latin typeface="Cambria Math" panose="02040503050406030204" pitchFamily="18" charset="0"/>
+                        </a:rPr>
+                        <a:t>Header</a:t>
+                      </a:r>
+                      <a:endParaRPr kumimoji="1" lang="ja-JP" altLang="en-US" sz="900" dirty="0">
+                        <a:latin typeface="Cambria Math" panose="02040503050406030204" pitchFamily="18" charset="0"/>
+                      </a:endParaRPr>
+                    </a:p>
+                  </a:txBody>
+                  <a:tcPr marL="18226" marR="18226" marT="9113" marB="9113" anchor="ctr">
+                    <a:lnL w="12700" cap="flat" cmpd="sng" algn="ctr">
+                      <a:solidFill>
+                        <a:schemeClr val="tx1"/>
+                      </a:solidFill>
+                      <a:prstDash val="solid"/>
+                      <a:round/>
+                      <a:headEnd type="none" w="med" len="med"/>
+                      <a:tailEnd type="none" w="med" len="med"/>
+                    </a:lnL>
+                    <a:lnR w="12700" cap="flat" cmpd="sng" algn="ctr">
+                      <a:solidFill>
+                        <a:schemeClr val="tx1"/>
+                      </a:solidFill>
+                      <a:prstDash val="solid"/>
+                      <a:round/>
+                      <a:headEnd type="none" w="med" len="med"/>
+                      <a:tailEnd type="none" w="med" len="med"/>
+                    </a:lnR>
+                    <a:lnT w="12700" cap="flat" cmpd="sng" algn="ctr">
+                      <a:solidFill>
+                        <a:schemeClr val="tx1"/>
+                      </a:solidFill>
+                      <a:prstDash val="solid"/>
+                      <a:round/>
+                      <a:headEnd type="none" w="med" len="med"/>
+                      <a:tailEnd type="none" w="med" len="med"/>
+                    </a:lnT>
+                    <a:lnB w="9525" cap="flat" cmpd="sng" algn="ctr">
+                      <a:solidFill>
+                        <a:schemeClr val="tx1"/>
+                      </a:solidFill>
+                      <a:prstDash val="solid"/>
+                      <a:round/>
+                      <a:headEnd type="none" w="med" len="med"/>
+                      <a:tailEnd type="none" w="med" len="med"/>
+                    </a:lnB>
+                    <a:solidFill>
+                      <a:schemeClr val="bg1"/>
+                    </a:solidFill>
+                  </a:tcPr>
+                </a:tc>
+                <a:extLst>
+                  <a:ext uri="{0D108BD9-81ED-4DB2-BD59-A6C34878D82A}">
+                    <a16:rowId xmlns:a16="http://schemas.microsoft.com/office/drawing/2014/main" val="3783925622"/>
+                  </a:ext>
+                </a:extLst>
+              </a:tr>
+              <a:tr h="266707">
+                <a:tc>
+                  <a:txBody>
+                    <a:bodyPr/>
+                    <a:lstStyle/>
+                    <a:p>
+                      <a:pPr algn="ctr"/>
+                      <a:r>
+                        <a:rPr kumimoji="1" lang="en-US" altLang="ja-JP" sz="900" dirty="0">
+                          <a:latin typeface="Cambria Math" panose="02040503050406030204" pitchFamily="18" charset="0"/>
+                          <a:ea typeface="Cambria Math" panose="02040503050406030204" pitchFamily="18" charset="0"/>
+                        </a:rPr>
+                        <a:t>Key1:“com”</a:t>
+                      </a:r>
+                    </a:p>
+                    <a:p>
+                      <a:pPr algn="ctr"/>
+                      <a:r>
+                        <a:rPr kumimoji="1" lang="en-US" altLang="ja-JP" sz="900" dirty="0">
+                          <a:latin typeface="Cambria Math" panose="02040503050406030204" pitchFamily="18" charset="0"/>
+                          <a:ea typeface="Cambria Math" panose="02040503050406030204" pitchFamily="18" charset="0"/>
+                        </a:rPr>
+                        <a:t>Key2:“org”</a:t>
+                      </a:r>
+                    </a:p>
+                  </a:txBody>
+                  <a:tcPr marL="18226" marR="18226" marT="9113" marB="9113" anchor="ctr">
+                    <a:lnL w="12700" cap="flat" cmpd="sng" algn="ctr">
+                      <a:solidFill>
+                        <a:schemeClr val="tx1"/>
+                      </a:solidFill>
+                      <a:prstDash val="solid"/>
+                      <a:round/>
+                      <a:headEnd type="none" w="med" len="med"/>
+                      <a:tailEnd type="none" w="med" len="med"/>
+                    </a:lnL>
+                    <a:lnR w="12700" cap="flat" cmpd="sng" algn="ctr">
+                      <a:solidFill>
+                        <a:schemeClr val="tx1"/>
+                      </a:solidFill>
+                      <a:prstDash val="solid"/>
+                      <a:round/>
+                      <a:headEnd type="none" w="med" len="med"/>
+                      <a:tailEnd type="none" w="med" len="med"/>
+                    </a:lnR>
+                    <a:lnT w="9525" cap="flat" cmpd="sng" algn="ctr">
+                      <a:solidFill>
+                        <a:schemeClr val="tx1"/>
+                      </a:solidFill>
+                      <a:prstDash val="solid"/>
+                      <a:round/>
+                      <a:headEnd type="none" w="med" len="med"/>
+                      <a:tailEnd type="none" w="med" len="med"/>
+                    </a:lnT>
+                    <a:solidFill>
+                      <a:schemeClr val="bg1"/>
+                    </a:solidFill>
+                  </a:tcPr>
+                </a:tc>
+                <a:extLst>
+                  <a:ext uri="{0D108BD9-81ED-4DB2-BD59-A6C34878D82A}">
+                    <a16:rowId xmlns:a16="http://schemas.microsoft.com/office/drawing/2014/main" val="2244812955"/>
+                  </a:ext>
+                </a:extLst>
+              </a:tr>
+              <a:tr h="143849">
+                <a:tc>
+                  <a:txBody>
+                    <a:bodyPr/>
+                    <a:lstStyle/>
+                    <a:p>
+                      <a:pPr algn="ctr"/>
+                      <a:endParaRPr kumimoji="1" lang="ja-JP" altLang="en-US" sz="900" dirty="0">
+                        <a:latin typeface="Cambria Math" panose="02040503050406030204" pitchFamily="18" charset="0"/>
+                      </a:endParaRPr>
+                    </a:p>
+                  </a:txBody>
+                  <a:tcPr marL="18226" marR="18226" marT="9113" marB="9113" anchor="ctr">
+                    <a:lnL w="12700" cap="flat" cmpd="sng" algn="ctr">
+                      <a:solidFill>
+                        <a:schemeClr val="tx1"/>
+                      </a:solidFill>
+                      <a:prstDash val="solid"/>
+                      <a:round/>
+                      <a:headEnd type="none" w="med" len="med"/>
+                      <a:tailEnd type="none" w="med" len="med"/>
+                    </a:lnL>
+                    <a:lnR w="12700" cap="flat" cmpd="sng" algn="ctr">
+                      <a:solidFill>
+                        <a:schemeClr val="tx1"/>
+                      </a:solidFill>
+                      <a:prstDash val="solid"/>
+                      <a:round/>
+                      <a:headEnd type="none" w="med" len="med"/>
+                      <a:tailEnd type="none" w="med" len="med"/>
+                    </a:lnR>
+                    <a:lnB w="9525" cap="flat" cmpd="sng" algn="ctr">
+                      <a:solidFill>
+                        <a:schemeClr val="tx1"/>
+                      </a:solidFill>
+                      <a:prstDash val="sysDot"/>
+                      <a:round/>
+                      <a:headEnd type="none" w="med" len="med"/>
+                      <a:tailEnd type="none" w="med" len="med"/>
+                    </a:lnB>
+                    <a:solidFill>
+                      <a:schemeClr val="bg1"/>
+                    </a:solidFill>
+                  </a:tcPr>
+                </a:tc>
+                <a:extLst>
+                  <a:ext uri="{0D108BD9-81ED-4DB2-BD59-A6C34878D82A}">
+                    <a16:rowId xmlns:a16="http://schemas.microsoft.com/office/drawing/2014/main" val="1930659369"/>
+                  </a:ext>
+                </a:extLst>
+              </a:tr>
+              <a:tr h="143849">
+                <a:tc>
+                  <a:txBody>
+                    <a:bodyPr/>
+                    <a:lstStyle/>
+                    <a:p>
+                      <a:pPr algn="ctr"/>
+                      <a:endParaRPr kumimoji="1" lang="en-US" altLang="ja-JP" sz="900" dirty="0">
+                        <a:latin typeface="Cambria Math" panose="02040503050406030204" pitchFamily="18" charset="0"/>
+                      </a:endParaRPr>
+                    </a:p>
+                    <a:p>
+                      <a:pPr algn="ctr"/>
+                      <a:r>
+                        <a:rPr kumimoji="1" lang="en-US" altLang="ja-JP" sz="900" dirty="0">
+                          <a:latin typeface="Cambria Math" panose="02040503050406030204" pitchFamily="18" charset="0"/>
+                        </a:rPr>
+                        <a:t>Payload2:B</a:t>
+                      </a:r>
+                      <a:endParaRPr kumimoji="1" lang="ja-JP" altLang="en-US" sz="900" dirty="0">
+                        <a:latin typeface="Cambria Math" panose="02040503050406030204" pitchFamily="18" charset="0"/>
+                      </a:endParaRPr>
+                    </a:p>
+                  </a:txBody>
+                  <a:tcPr marL="18226" marR="18226" marT="9113" marB="9113" anchor="ctr">
+                    <a:lnL w="12700" cap="flat" cmpd="sng" algn="ctr">
+                      <a:solidFill>
+                        <a:schemeClr val="tx1"/>
+                      </a:solidFill>
+                      <a:prstDash val="solid"/>
+                      <a:round/>
+                      <a:headEnd type="none" w="med" len="med"/>
+                      <a:tailEnd type="none" w="med" len="med"/>
+                    </a:lnL>
+                    <a:lnR w="12700" cap="flat" cmpd="sng" algn="ctr">
+                      <a:solidFill>
+                        <a:schemeClr val="tx1"/>
+                      </a:solidFill>
+                      <a:prstDash val="solid"/>
+                      <a:round/>
+                      <a:headEnd type="none" w="med" len="med"/>
+                      <a:tailEnd type="none" w="med" len="med"/>
+                    </a:lnR>
+                    <a:lnT w="9525" cap="flat" cmpd="sng" algn="ctr">
+                      <a:solidFill>
+                        <a:schemeClr val="tx1"/>
+                      </a:solidFill>
+                      <a:prstDash val="sysDot"/>
+                      <a:round/>
+                      <a:headEnd type="none" w="med" len="med"/>
+                      <a:tailEnd type="none" w="med" len="med"/>
+                    </a:lnT>
+                    <a:lnB w="12700" cap="flat" cmpd="sng" algn="ctr">
+                      <a:noFill/>
+                      <a:prstDash val="solid"/>
+                      <a:round/>
+                      <a:headEnd type="none" w="med" len="med"/>
+                      <a:tailEnd type="none" w="med" len="med"/>
+                    </a:lnB>
+                    <a:solidFill>
+                      <a:schemeClr val="bg1"/>
+                    </a:solidFill>
+                  </a:tcPr>
+                </a:tc>
+                <a:extLst>
+                  <a:ext uri="{0D108BD9-81ED-4DB2-BD59-A6C34878D82A}">
+                    <a16:rowId xmlns:a16="http://schemas.microsoft.com/office/drawing/2014/main" val="4212267831"/>
+                  </a:ext>
+                </a:extLst>
+              </a:tr>
+              <a:tr h="143849">
+                <a:tc>
+                  <a:txBody>
+                    <a:bodyPr/>
+                    <a:lstStyle/>
+                    <a:p>
+                      <a:pPr algn="ctr"/>
+                      <a:r>
+                        <a:rPr kumimoji="1" lang="en-US" altLang="ja-JP" sz="900" dirty="0">
+                          <a:latin typeface="Cambria Math" panose="02040503050406030204" pitchFamily="18" charset="0"/>
+                        </a:rPr>
+                        <a:t>Payload1:A</a:t>
+                      </a:r>
+                      <a:endParaRPr kumimoji="1" lang="ja-JP" altLang="en-US" sz="900" dirty="0">
+                        <a:latin typeface="Cambria Math" panose="02040503050406030204" pitchFamily="18" charset="0"/>
+                      </a:endParaRPr>
+                    </a:p>
+                  </a:txBody>
+                  <a:tcPr marL="18226" marR="18226" marT="9113" marB="9113" anchor="ctr">
+                    <a:lnL w="12700" cap="flat" cmpd="sng" algn="ctr">
+                      <a:solidFill>
+                        <a:schemeClr val="tx1"/>
+                      </a:solidFill>
+                      <a:prstDash val="solid"/>
+                      <a:round/>
+                      <a:headEnd type="none" w="med" len="med"/>
+                      <a:tailEnd type="none" w="med" len="med"/>
+                    </a:lnL>
+                    <a:lnR w="12700" cap="flat" cmpd="sng" algn="ctr">
+                      <a:solidFill>
+                        <a:schemeClr val="tx1"/>
+                      </a:solidFill>
+                      <a:prstDash val="solid"/>
+                      <a:round/>
+                      <a:headEnd type="none" w="med" len="med"/>
+                      <a:tailEnd type="none" w="med" len="med"/>
+                    </a:lnR>
+                    <a:lnT w="12700" cap="flat" cmpd="sng" algn="ctr">
+                      <a:noFill/>
+                      <a:prstDash val="solid"/>
+                      <a:round/>
+                      <a:headEnd type="none" w="med" len="med"/>
+                      <a:tailEnd type="none" w="med" len="med"/>
+                    </a:lnT>
+                    <a:lnB w="9525" cap="flat" cmpd="sng" algn="ctr">
+                      <a:solidFill>
+                        <a:schemeClr val="tx1"/>
+                      </a:solidFill>
+                      <a:prstDash val="solid"/>
+                      <a:round/>
+                      <a:headEnd type="none" w="med" len="med"/>
+                      <a:tailEnd type="none" w="med" len="med"/>
+                    </a:lnB>
+                    <a:solidFill>
+                      <a:schemeClr val="bg1"/>
+                    </a:solidFill>
+                  </a:tcPr>
+                </a:tc>
+                <a:extLst>
+                  <a:ext uri="{0D108BD9-81ED-4DB2-BD59-A6C34878D82A}">
+                    <a16:rowId xmlns:a16="http://schemas.microsoft.com/office/drawing/2014/main" val="77431627"/>
+                  </a:ext>
+                </a:extLst>
+              </a:tr>
+            </a:tbl>
+          </a:graphicData>
+        </a:graphic>
+      </p:graphicFrame>
       <p:cxnSp>
         <p:nvCxnSpPr>
           <p:cNvPr id="157" name="直線矢印コネクタ 156">
@@ -8228,7 +6652,7 @@
         </p:nvCxnSpPr>
         <p:spPr>
           <a:xfrm>
-            <a:off x="769349" y="1070038"/>
+            <a:off x="769349" y="1225827"/>
             <a:ext cx="375274" cy="0"/>
           </a:xfrm>
           <a:prstGeom prst="straightConnector1">
@@ -8272,7 +6696,7 @@
         </p:nvCxnSpPr>
         <p:spPr>
           <a:xfrm>
-            <a:off x="1694212" y="1067392"/>
+            <a:off x="1694212" y="1223181"/>
             <a:ext cx="377504" cy="0"/>
           </a:xfrm>
           <a:prstGeom prst="straightConnector1">
@@ -8300,6 +6724,156 @@
           </a:fontRef>
         </p:style>
       </p:cxnSp>
+      <p:sp>
+        <p:nvSpPr>
+          <p:cNvPr id="34" name="テキスト ボックス 33">
+            <a:extLst>
+              <a:ext uri="{FF2B5EF4-FFF2-40B4-BE49-F238E27FC236}">
+                <a16:creationId xmlns:a16="http://schemas.microsoft.com/office/drawing/2014/main" id="{17B33487-40C1-D0E6-76EB-967F3FB74F04}"/>
+              </a:ext>
+            </a:extLst>
+          </p:cNvPr>
+          <p:cNvSpPr txBox="1"/>
+          <p:nvPr/>
+        </p:nvSpPr>
+        <p:spPr>
+          <a:xfrm>
+            <a:off x="315197" y="176633"/>
+            <a:ext cx="580730" cy="150811"/>
+          </a:xfrm>
+          <a:prstGeom prst="rect">
+            <a:avLst/>
+          </a:prstGeom>
+          <a:noFill/>
+        </p:spPr>
+        <p:txBody>
+          <a:bodyPr wrap="square" lIns="0" tIns="0" rIns="0" bIns="0" rtlCol="0">
+            <a:spAutoFit/>
+          </a:bodyPr>
+          <a:lstStyle/>
+          <a:p>
+            <a:pPr>
+              <a:lnSpc>
+                <a:spcPct val="120000"/>
+              </a:lnSpc>
+              <a:spcAft>
+                <a:spcPts val="1200"/>
+              </a:spcAft>
+              <a:buClr>
+                <a:schemeClr val="accent6">
+                  <a:lumMod val="50000"/>
+                </a:schemeClr>
+              </a:buClr>
+              <a:buSzPct val="100000"/>
+            </a:pPr>
+            <a:r>
+              <a:rPr lang="en-US" altLang="ja-JP" sz="900" dirty="0"/>
+              <a:t>Layer 0</a:t>
+            </a:r>
+            <a:endParaRPr lang="ja-JP" altLang="en-US" sz="900" dirty="0"/>
+          </a:p>
+        </p:txBody>
+      </p:sp>
+      <p:sp>
+        <p:nvSpPr>
+          <p:cNvPr id="35" name="テキスト ボックス 34">
+            <a:extLst>
+              <a:ext uri="{FF2B5EF4-FFF2-40B4-BE49-F238E27FC236}">
+                <a16:creationId xmlns:a16="http://schemas.microsoft.com/office/drawing/2014/main" id="{575BBAE1-1515-1570-89DD-91DE745C222D}"/>
+              </a:ext>
+            </a:extLst>
+          </p:cNvPr>
+          <p:cNvSpPr txBox="1"/>
+          <p:nvPr/>
+        </p:nvSpPr>
+        <p:spPr>
+          <a:xfrm>
+            <a:off x="1287880" y="176063"/>
+            <a:ext cx="580730" cy="150811"/>
+          </a:xfrm>
+          <a:prstGeom prst="rect">
+            <a:avLst/>
+          </a:prstGeom>
+          <a:noFill/>
+        </p:spPr>
+        <p:txBody>
+          <a:bodyPr wrap="square" lIns="0" tIns="0" rIns="0" bIns="0" rtlCol="0">
+            <a:spAutoFit/>
+          </a:bodyPr>
+          <a:lstStyle/>
+          <a:p>
+            <a:pPr>
+              <a:lnSpc>
+                <a:spcPct val="120000"/>
+              </a:lnSpc>
+              <a:spcAft>
+                <a:spcPts val="1200"/>
+              </a:spcAft>
+              <a:buClr>
+                <a:schemeClr val="accent6">
+                  <a:lumMod val="50000"/>
+                </a:schemeClr>
+              </a:buClr>
+              <a:buSzPct val="100000"/>
+            </a:pPr>
+            <a:r>
+              <a:rPr lang="en-US" altLang="ja-JP" sz="900" dirty="0"/>
+              <a:t>Layer 1</a:t>
+            </a:r>
+            <a:endParaRPr lang="ja-JP" altLang="en-US" sz="900" dirty="0"/>
+          </a:p>
+        </p:txBody>
+      </p:sp>
+      <p:sp>
+        <p:nvSpPr>
+          <p:cNvPr id="36" name="テキスト ボックス 35">
+            <a:extLst>
+              <a:ext uri="{FF2B5EF4-FFF2-40B4-BE49-F238E27FC236}">
+                <a16:creationId xmlns:a16="http://schemas.microsoft.com/office/drawing/2014/main" id="{7409138C-1698-ED5B-FD7B-EB1D797AFDFD}"/>
+              </a:ext>
+            </a:extLst>
+          </p:cNvPr>
+          <p:cNvSpPr txBox="1"/>
+          <p:nvPr/>
+        </p:nvSpPr>
+        <p:spPr>
+          <a:xfrm>
+            <a:off x="2210924" y="176062"/>
+            <a:ext cx="580730" cy="150811"/>
+          </a:xfrm>
+          <a:prstGeom prst="rect">
+            <a:avLst/>
+          </a:prstGeom>
+          <a:noFill/>
+        </p:spPr>
+        <p:txBody>
+          <a:bodyPr wrap="square" lIns="0" tIns="0" rIns="0" bIns="0" rtlCol="0">
+            <a:spAutoFit/>
+          </a:bodyPr>
+          <a:lstStyle/>
+          <a:p>
+            <a:pPr>
+              <a:lnSpc>
+                <a:spcPct val="120000"/>
+              </a:lnSpc>
+              <a:spcAft>
+                <a:spcPts val="1200"/>
+              </a:spcAft>
+              <a:buClr>
+                <a:schemeClr val="accent6">
+                  <a:lumMod val="50000"/>
+                </a:schemeClr>
+              </a:buClr>
+              <a:buSzPct val="100000"/>
+            </a:pPr>
+            <a:r>
+              <a:rPr lang="en-US" altLang="ja-JP" sz="900" dirty="0"/>
+              <a:t>Layer 2</a:t>
+            </a:r>
+            <a:endParaRPr lang="ja-JP" altLang="en-US" sz="900" dirty="0"/>
+          </a:p>
+        </p:txBody>
+      </p:sp>
     </p:spTree>
     <p:extLst>
       <p:ext uri="{BB962C8B-B14F-4D97-AF65-F5344CB8AC3E}">
